--- a/Paper Review/Paper Review 2.pptx
+++ b/Paper Review/Paper Review 2.pptx
@@ -3,24 +3,26 @@
 <p:presentation xmlns:a="http://schemas.openxmlformats.org/drawingml/2006/main" xmlns:p="http://schemas.openxmlformats.org/presentationml/2006/main" xmlns:r="http://schemas.openxmlformats.org/officeDocument/2006/relationships" xmlns:p14="http://schemas.microsoft.com/office/powerpoint/2010/main" xmlns:p15="http://schemas.microsoft.com/office/powerpoint/2012/main" xmlns:mc="http://schemas.openxmlformats.org/markup-compatibility/2006">
   <p:sldMasterIdLst>
     <p:sldMasterId id="2147483648" r:id="rId2"/>
+    <p:sldMasterId id="2147483650" r:id="rId3"/>
   </p:sldMasterIdLst>
   <p:notesMasterIdLst>
-    <p:notesMasterId r:id="rId3"/>
+    <p:notesMasterId r:id="rId4"/>
   </p:notesMasterIdLst>
   <p:sldIdLst>
-    <p:sldId id="256" r:id="rId4"/>
-    <p:sldId id="257" r:id="rId5"/>
-    <p:sldId id="258" r:id="rId6"/>
-    <p:sldId id="259" r:id="rId7"/>
-    <p:sldId id="260" r:id="rId8"/>
-    <p:sldId id="261" r:id="rId9"/>
-    <p:sldId id="262" r:id="rId10"/>
-    <p:sldId id="263" r:id="rId11"/>
-    <p:sldId id="264" r:id="rId12"/>
-    <p:sldId id="265" r:id="rId13"/>
-    <p:sldId id="266" r:id="rId14"/>
-    <p:sldId id="267" r:id="rId15"/>
-    <p:sldId id="268" r:id="rId16"/>
+    <p:sldId id="256" r:id="rId5"/>
+    <p:sldId id="257" r:id="rId6"/>
+    <p:sldId id="258" r:id="rId7"/>
+    <p:sldId id="259" r:id="rId8"/>
+    <p:sldId id="260" r:id="rId9"/>
+    <p:sldId id="261" r:id="rId10"/>
+    <p:sldId id="262" r:id="rId11"/>
+    <p:sldId id="263" r:id="rId12"/>
+    <p:sldId id="264" r:id="rId13"/>
+    <p:sldId id="265" r:id="rId14"/>
+    <p:sldId id="266" r:id="rId15"/>
+    <p:sldId id="267" r:id="rId16"/>
+    <p:sldId id="268" r:id="rId17"/>
+    <p:sldId id="269" r:id="rId18"/>
   </p:sldIdLst>
   <p:sldSz cx="10080625" cy="5670550"/>
   <p:notesSz cx="7772400" cy="10058400"/>
@@ -46,7 +48,7 @@
       </p:grpSpPr>
       <p:sp>
         <p:nvSpPr>
-          <p:cNvPr id="9" name="PlaceHolder 1"/>
+          <p:cNvPr id="14" name="PlaceHolder 1"/>
           <p:cNvSpPr>
             <a:spLocks noGrp="1"/>
           </p:cNvSpPr>
@@ -56,8 +58,8 @@
         </p:nvSpPr>
         <p:spPr>
           <a:xfrm>
-            <a:off x="533520" y="764280"/>
-            <a:ext cx="6704640" cy="3771360"/>
+            <a:off x="0" y="764280"/>
+            <a:ext cx="0" cy="0"/>
           </a:xfrm>
           <a:prstGeom prst="rect">
             <a:avLst/>
@@ -93,7 +95,7 @@
       </p:sp>
       <p:sp>
         <p:nvSpPr>
-          <p:cNvPr id="10" name="PlaceHolder 2"/>
+          <p:cNvPr id="15" name="PlaceHolder 2"/>
           <p:cNvSpPr>
             <a:spLocks noGrp="1"/>
           </p:cNvSpPr>
@@ -142,7 +144,7 @@
       </p:sp>
       <p:sp>
         <p:nvSpPr>
-          <p:cNvPr id="11" name="PlaceHolder 3"/>
+          <p:cNvPr id="16" name="PlaceHolder 3"/>
           <p:cNvSpPr>
             <a:spLocks noGrp="1"/>
           </p:cNvSpPr>
@@ -191,12 +193,12 @@
       </p:sp>
       <p:sp>
         <p:nvSpPr>
-          <p:cNvPr id="12" name="PlaceHolder 4"/>
+          <p:cNvPr id="17" name="PlaceHolder 4"/>
           <p:cNvSpPr>
             <a:spLocks noGrp="1"/>
           </p:cNvSpPr>
           <p:nvPr>
-            <p:ph type="dt" idx="4"/>
+            <p:ph type="dt" idx="7"/>
           </p:nvPr>
         </p:nvSpPr>
         <p:spPr>
@@ -251,12 +253,12 @@
       </p:sp>
       <p:sp>
         <p:nvSpPr>
-          <p:cNvPr id="13" name="PlaceHolder 5"/>
+          <p:cNvPr id="18" name="PlaceHolder 5"/>
           <p:cNvSpPr>
             <a:spLocks noGrp="1"/>
           </p:cNvSpPr>
           <p:nvPr>
-            <p:ph type="ftr" idx="5"/>
+            <p:ph type="ftr" idx="8"/>
           </p:nvPr>
         </p:nvSpPr>
         <p:spPr>
@@ -311,12 +313,12 @@
       </p:sp>
       <p:sp>
         <p:nvSpPr>
-          <p:cNvPr id="14" name="PlaceHolder 6"/>
+          <p:cNvPr id="19" name="PlaceHolder 6"/>
           <p:cNvSpPr>
             <a:spLocks noGrp="1"/>
           </p:cNvSpPr>
           <p:nvPr>
-            <p:ph type="sldNum" idx="6"/>
+            <p:ph type="sldNum" idx="9"/>
           </p:nvPr>
         </p:nvSpPr>
         <p:spPr>
@@ -351,7 +353,7 @@
             <a:pPr indent="0" algn="r">
               <a:buNone/>
             </a:pPr>
-            <a:fld id="{C0910C06-FA77-4C91-A6B0-62473131E502}" type="slidenum">
+            <a:fld id="{D2ACFAB4-BF85-4D6A-BFC6-529A8EF112E0}" type="slidenum">
               <a:rPr b="0" lang="en-US" sz="1400" spc="-1" strike="noStrike">
                 <a:solidFill>
                   <a:srgbClr val="000000"/>
@@ -394,7 +396,7 @@
       </p:grpSpPr>
       <p:sp>
         <p:nvSpPr>
-          <p:cNvPr id="40" name="PlaceHolder 1"/>
+          <p:cNvPr id="54" name="PlaceHolder 1"/>
           <p:cNvSpPr>
             <a:spLocks noGrp="1"/>
           </p:cNvSpPr>
@@ -405,7 +407,7 @@
         <p:spPr>
           <a:xfrm>
             <a:off x="533520" y="764280"/>
-            <a:ext cx="6704640" cy="3771360"/>
+            <a:ext cx="6704280" cy="3771000"/>
           </a:xfrm>
           <a:prstGeom prst="rect">
             <a:avLst/>
@@ -417,7 +419,7 @@
       </p:sp>
       <p:sp>
         <p:nvSpPr>
-          <p:cNvPr id="41" name="PlaceHolder 2"/>
+          <p:cNvPr id="55" name="PlaceHolder 2"/>
           <p:cNvSpPr>
             <a:spLocks noGrp="1"/>
           </p:cNvSpPr>
@@ -428,7 +430,7 @@
         <p:spPr>
           <a:xfrm>
             <a:off x="777240" y="4777560"/>
-            <a:ext cx="6217560" cy="4525920"/>
+            <a:ext cx="6217200" cy="4525560"/>
           </a:xfrm>
           <a:prstGeom prst="rect">
             <a:avLst/>
@@ -444,7 +446,13 @@
           </a:bodyPr>
           <a:p>
             <a:pPr marL="216000" indent="-216000">
+              <a:lnSpc>
+                <a:spcPct val="100000"/>
+              </a:lnSpc>
               <a:buNone/>
+              <a:tabLst>
+                <a:tab algn="l" pos="0"/>
+              </a:tabLst>
             </a:pPr>
             <a:r>
               <a:rPr b="0" lang="en-US" sz="2000" spc="-1" strike="noStrike">
@@ -464,7 +472,13 @@
           </a:p>
           <a:p>
             <a:pPr marL="216000" indent="-216000">
+              <a:lnSpc>
+                <a:spcPct val="100000"/>
+              </a:lnSpc>
               <a:buNone/>
+              <a:tabLst>
+                <a:tab algn="l" pos="0"/>
+              </a:tabLst>
             </a:pPr>
             <a:r>
               <a:rPr b="0" lang="en-US" sz="2000" spc="-1" strike="noStrike">
@@ -484,7 +498,13 @@
           </a:p>
           <a:p>
             <a:pPr marL="216000" indent="-216000">
+              <a:lnSpc>
+                <a:spcPct val="100000"/>
+              </a:lnSpc>
               <a:buNone/>
+              <a:tabLst>
+                <a:tab algn="l" pos="0"/>
+              </a:tabLst>
             </a:pPr>
             <a:r>
               <a:rPr b="0" lang="en-US" sz="2000" spc="-1" strike="noStrike">
@@ -504,7 +524,13 @@
           </a:p>
           <a:p>
             <a:pPr marL="216000" indent="-216000">
+              <a:lnSpc>
+                <a:spcPct val="100000"/>
+              </a:lnSpc>
               <a:buNone/>
+              <a:tabLst>
+                <a:tab algn="l" pos="0"/>
+              </a:tabLst>
             </a:pPr>
             <a:r>
               <a:rPr b="0" lang="en-US" sz="2000" spc="-1" strike="noStrike">
@@ -524,7 +550,13 @@
           </a:p>
           <a:p>
             <a:pPr marL="216000" indent="-216000">
+              <a:lnSpc>
+                <a:spcPct val="100000"/>
+              </a:lnSpc>
               <a:buNone/>
+              <a:tabLst>
+                <a:tab algn="l" pos="0"/>
+              </a:tabLst>
             </a:pPr>
             <a:endParaRPr b="0" lang="en-US" sz="2000" spc="-1" strike="noStrike">
               <a:solidFill>
@@ -559,7 +591,7 @@
       </p:grpSpPr>
       <p:sp>
         <p:nvSpPr>
-          <p:cNvPr id="42" name="PlaceHolder 1"/>
+          <p:cNvPr id="56" name="PlaceHolder 1"/>
           <p:cNvSpPr>
             <a:spLocks noGrp="1"/>
           </p:cNvSpPr>
@@ -570,7 +602,7 @@
         <p:spPr>
           <a:xfrm>
             <a:off x="533520" y="764280"/>
-            <a:ext cx="6704640" cy="3771360"/>
+            <a:ext cx="6704280" cy="3771000"/>
           </a:xfrm>
           <a:prstGeom prst="rect">
             <a:avLst/>
@@ -582,7 +614,7 @@
       </p:sp>
       <p:sp>
         <p:nvSpPr>
-          <p:cNvPr id="43" name="PlaceHolder 2"/>
+          <p:cNvPr id="57" name="PlaceHolder 2"/>
           <p:cNvSpPr>
             <a:spLocks noGrp="1"/>
           </p:cNvSpPr>
@@ -593,7 +625,7 @@
         <p:spPr>
           <a:xfrm>
             <a:off x="777240" y="4777560"/>
-            <a:ext cx="6217560" cy="4525920"/>
+            <a:ext cx="6217200" cy="4525560"/>
           </a:xfrm>
           <a:prstGeom prst="rect">
             <a:avLst/>
@@ -609,7 +641,13 @@
           </a:bodyPr>
           <a:p>
             <a:pPr marL="216000" indent="-216000">
+              <a:lnSpc>
+                <a:spcPct val="100000"/>
+              </a:lnSpc>
               <a:buNone/>
+              <a:tabLst>
+                <a:tab algn="l" pos="0"/>
+              </a:tabLst>
             </a:pPr>
             <a:r>
               <a:rPr b="0" lang="en-US" sz="2000" spc="-1" strike="noStrike">
@@ -664,7 +702,7 @@
         <p:spPr>
           <a:xfrm>
             <a:off x="504000" y="226080"/>
-            <a:ext cx="9071640" cy="946440"/>
+            <a:ext cx="9071280" cy="946080"/>
           </a:xfrm>
           <a:prstGeom prst="rect">
             <a:avLst/>
@@ -704,7 +742,7 @@
         <p:spPr>
           <a:xfrm>
             <a:off x="504000" y="1326600"/>
-            <a:ext cx="9071640" cy="3288240"/>
+            <a:ext cx="9071280" cy="3287880"/>
           </a:xfrm>
           <a:prstGeom prst="rect">
             <a:avLst/>
@@ -741,7 +779,7 @@
             <a:spLocks noGrp="1"/>
           </p:cNvSpPr>
           <p:nvPr>
-            <p:ph type="ftr" idx="2"/>
+            <p:ph type="ftr" idx="1"/>
           </p:nvPr>
         </p:nvSpPr>
         <p:spPr/>
@@ -761,14 +799,14 @@
             <a:spLocks noGrp="1"/>
           </p:cNvSpPr>
           <p:nvPr>
-            <p:ph type="sldNum" idx="3"/>
+            <p:ph type="sldNum" idx="2"/>
           </p:nvPr>
         </p:nvSpPr>
         <p:spPr/>
         <p:txBody>
           <a:bodyPr/>
           <a:p>
-            <a:fld id="{6F8C0CE7-CDAB-4007-B8BD-E11EC97BAEB7}" type="slidenum">
+            <a:fld id="{8DF3BCCE-1BCD-4E1F-A5E2-D1591235CD80}" type="slidenum">
               <a:t>&lt;#&gt;</a:t>
             </a:fld>
           </a:p>
@@ -781,7 +819,7 @@
             <a:spLocks noGrp="1"/>
           </p:cNvSpPr>
           <p:nvPr>
-            <p:ph type="dt" idx="1"/>
+            <p:ph type="dt" idx="3"/>
           </p:nvPr>
         </p:nvSpPr>
         <p:spPr/>
@@ -802,7 +840,7 @@
 
 <file path=ppt/slideLayouts/slideLayout2.xml><?xml version="1.0" encoding="utf-8"?>
 <p:sldLayout xmlns:a="http://schemas.openxmlformats.org/drawingml/2006/main" xmlns:p="http://schemas.openxmlformats.org/presentationml/2006/main" xmlns:r="http://schemas.openxmlformats.org/officeDocument/2006/relationships" xmlns:p14="http://schemas.microsoft.com/office/powerpoint/2010/main" xmlns:p15="http://schemas.microsoft.com/office/powerpoint/2012/main" xmlns:mc="http://schemas.openxmlformats.org/markup-compatibility/2006" type="title" preserve="1">
-  <p:cSld name="Default">
+  <p:cSld name="Default 1">
     <p:spTree>
       <p:nvGrpSpPr>
         <p:cNvPr id="1" name=""/>
@@ -819,7 +857,7 @@
       </p:grpSpPr>
       <p:sp>
         <p:nvSpPr>
-          <p:cNvPr id="7" name="PlaceHolder 1"/>
+          <p:cNvPr id="12" name="PlaceHolder 1"/>
           <p:cNvSpPr>
             <a:spLocks noGrp="1"/>
           </p:cNvSpPr>
@@ -830,7 +868,7 @@
         <p:spPr>
           <a:xfrm>
             <a:off x="504000" y="226080"/>
-            <a:ext cx="9071640" cy="946440"/>
+            <a:ext cx="9071280" cy="946080"/>
           </a:xfrm>
           <a:prstGeom prst="rect">
             <a:avLst/>
@@ -859,7 +897,7 @@
       </p:sp>
       <p:sp>
         <p:nvSpPr>
-          <p:cNvPr id="8" name="PlaceHolder 2"/>
+          <p:cNvPr id="13" name="PlaceHolder 2"/>
           <p:cNvSpPr>
             <a:spLocks noGrp="1"/>
           </p:cNvSpPr>
@@ -870,7 +908,7 @@
         <p:spPr>
           <a:xfrm>
             <a:off x="504000" y="1326600"/>
-            <a:ext cx="9071640" cy="3288240"/>
+            <a:ext cx="9071280" cy="3287880"/>
           </a:xfrm>
           <a:prstGeom prst="rect">
             <a:avLst/>
@@ -904,7 +942,7 @@
             <a:spLocks noGrp="1"/>
           </p:cNvSpPr>
           <p:nvPr>
-            <p:ph type="ftr" idx="2"/>
+            <p:ph type="ftr" idx="4"/>
           </p:nvPr>
         </p:nvSpPr>
         <p:spPr/>
@@ -924,14 +962,14 @@
             <a:spLocks noGrp="1"/>
           </p:cNvSpPr>
           <p:nvPr>
-            <p:ph type="sldNum" idx="3"/>
+            <p:ph type="sldNum" idx="5"/>
           </p:nvPr>
         </p:nvSpPr>
         <p:spPr/>
         <p:txBody>
           <a:bodyPr/>
           <a:p>
-            <a:fld id="{39E9F810-7A8A-4E47-AFEA-CB8737887EC3}" type="slidenum">
+            <a:fld id="{551C81A0-C35C-4264-9583-023A8CE8AB5F}" type="slidenum">
               <a:t>&lt;#&gt;</a:t>
             </a:fld>
           </a:p>
@@ -944,7 +982,7 @@
             <a:spLocks noGrp="1"/>
           </p:cNvSpPr>
           <p:nvPr>
-            <p:ph type="dt" idx="1"/>
+            <p:ph type="dt" idx="6"/>
           </p:nvPr>
         </p:nvSpPr>
         <p:spPr/>
@@ -993,7 +1031,7 @@
         <p:spPr>
           <a:xfrm>
             <a:off x="504000" y="226080"/>
-            <a:ext cx="9071640" cy="946440"/>
+            <a:ext cx="9071280" cy="946080"/>
           </a:xfrm>
           <a:prstGeom prst="rect">
             <a:avLst/>
@@ -1008,19 +1046,325 @@
             <a:noAutofit/>
           </a:bodyPr>
           <a:p>
-            <a:pPr indent="0" algn="ctr">
+            <a:pPr indent="0">
               <a:buNone/>
             </a:pPr>
             <a:r>
-              <a:rPr b="0" lang="en-US" sz="4400" spc="-1" strike="noStrike">
-                <a:solidFill>
-                  <a:srgbClr val="000000"/>
-                </a:solidFill>
-                <a:latin typeface="Arial"/>
-              </a:rPr>
-              <a:t>Click to edit the title text format</a:t>
-            </a:r>
-            <a:endParaRPr b="0" lang="en-US" sz="4400" spc="-1" strike="noStrike">
+              <a:rPr b="0" lang="en-US" sz="1800" spc="-1" strike="noStrike">
+                <a:solidFill>
+                  <a:srgbClr val="000000"/>
+                </a:solidFill>
+                <a:latin typeface="Arial"/>
+              </a:rPr>
+              <a:t>C</a:t>
+            </a:r>
+            <a:r>
+              <a:rPr b="0" lang="en-US" sz="1800" spc="-1" strike="noStrike">
+                <a:solidFill>
+                  <a:srgbClr val="000000"/>
+                </a:solidFill>
+                <a:latin typeface="Arial"/>
+              </a:rPr>
+              <a:t>l</a:t>
+            </a:r>
+            <a:r>
+              <a:rPr b="0" lang="en-US" sz="1800" spc="-1" strike="noStrike">
+                <a:solidFill>
+                  <a:srgbClr val="000000"/>
+                </a:solidFill>
+                <a:latin typeface="Arial"/>
+              </a:rPr>
+              <a:t>i</a:t>
+            </a:r>
+            <a:r>
+              <a:rPr b="0" lang="en-US" sz="1800" spc="-1" strike="noStrike">
+                <a:solidFill>
+                  <a:srgbClr val="000000"/>
+                </a:solidFill>
+                <a:latin typeface="Arial"/>
+              </a:rPr>
+              <a:t>c</a:t>
+            </a:r>
+            <a:r>
+              <a:rPr b="0" lang="en-US" sz="1800" spc="-1" strike="noStrike">
+                <a:solidFill>
+                  <a:srgbClr val="000000"/>
+                </a:solidFill>
+                <a:latin typeface="Arial"/>
+              </a:rPr>
+              <a:t>k</a:t>
+            </a:r>
+            <a:r>
+              <a:rPr b="0" lang="en-US" sz="1800" spc="-1" strike="noStrike">
+                <a:solidFill>
+                  <a:srgbClr val="000000"/>
+                </a:solidFill>
+                <a:latin typeface="Arial"/>
+              </a:rPr>
+              <a:t> </a:t>
+            </a:r>
+            <a:r>
+              <a:rPr b="0" lang="en-US" sz="1800" spc="-1" strike="noStrike">
+                <a:solidFill>
+                  <a:srgbClr val="000000"/>
+                </a:solidFill>
+                <a:latin typeface="Arial"/>
+              </a:rPr>
+              <a:t>t</a:t>
+            </a:r>
+            <a:r>
+              <a:rPr b="0" lang="en-US" sz="1800" spc="-1" strike="noStrike">
+                <a:solidFill>
+                  <a:srgbClr val="000000"/>
+                </a:solidFill>
+                <a:latin typeface="Arial"/>
+              </a:rPr>
+              <a:t>o</a:t>
+            </a:r>
+            <a:r>
+              <a:rPr b="0" lang="en-US" sz="1800" spc="-1" strike="noStrike">
+                <a:solidFill>
+                  <a:srgbClr val="000000"/>
+                </a:solidFill>
+                <a:latin typeface="Arial"/>
+              </a:rPr>
+              <a:t> </a:t>
+            </a:r>
+            <a:r>
+              <a:rPr b="0" lang="en-US" sz="1800" spc="-1" strike="noStrike">
+                <a:solidFill>
+                  <a:srgbClr val="000000"/>
+                </a:solidFill>
+                <a:latin typeface="Arial"/>
+              </a:rPr>
+              <a:t>e</a:t>
+            </a:r>
+            <a:r>
+              <a:rPr b="0" lang="en-US" sz="1800" spc="-1" strike="noStrike">
+                <a:solidFill>
+                  <a:srgbClr val="000000"/>
+                </a:solidFill>
+                <a:latin typeface="Arial"/>
+              </a:rPr>
+              <a:t>d</a:t>
+            </a:r>
+            <a:r>
+              <a:rPr b="0" lang="en-US" sz="1800" spc="-1" strike="noStrike">
+                <a:solidFill>
+                  <a:srgbClr val="000000"/>
+                </a:solidFill>
+                <a:latin typeface="Arial"/>
+              </a:rPr>
+              <a:t>i</a:t>
+            </a:r>
+            <a:r>
+              <a:rPr b="0" lang="en-US" sz="1800" spc="-1" strike="noStrike">
+                <a:solidFill>
+                  <a:srgbClr val="000000"/>
+                </a:solidFill>
+                <a:latin typeface="Arial"/>
+              </a:rPr>
+              <a:t>t</a:t>
+            </a:r>
+            <a:r>
+              <a:rPr b="0" lang="en-US" sz="1800" spc="-1" strike="noStrike">
+                <a:solidFill>
+                  <a:srgbClr val="000000"/>
+                </a:solidFill>
+                <a:latin typeface="Arial"/>
+              </a:rPr>
+              <a:t> </a:t>
+            </a:r>
+            <a:r>
+              <a:rPr b="0" lang="en-US" sz="1800" spc="-1" strike="noStrike">
+                <a:solidFill>
+                  <a:srgbClr val="000000"/>
+                </a:solidFill>
+                <a:latin typeface="Arial"/>
+              </a:rPr>
+              <a:t>t</a:t>
+            </a:r>
+            <a:r>
+              <a:rPr b="0" lang="en-US" sz="1800" spc="-1" strike="noStrike">
+                <a:solidFill>
+                  <a:srgbClr val="000000"/>
+                </a:solidFill>
+                <a:latin typeface="Arial"/>
+              </a:rPr>
+              <a:t>h</a:t>
+            </a:r>
+            <a:r>
+              <a:rPr b="0" lang="en-US" sz="1800" spc="-1" strike="noStrike">
+                <a:solidFill>
+                  <a:srgbClr val="000000"/>
+                </a:solidFill>
+                <a:latin typeface="Arial"/>
+              </a:rPr>
+              <a:t>e</a:t>
+            </a:r>
+            <a:r>
+              <a:rPr b="0" lang="en-US" sz="1800" spc="-1" strike="noStrike">
+                <a:solidFill>
+                  <a:srgbClr val="000000"/>
+                </a:solidFill>
+                <a:latin typeface="Arial"/>
+              </a:rPr>
+              <a:t> </a:t>
+            </a:r>
+            <a:r>
+              <a:rPr b="0" lang="en-US" sz="1800" spc="-1" strike="noStrike">
+                <a:solidFill>
+                  <a:srgbClr val="000000"/>
+                </a:solidFill>
+                <a:latin typeface="Arial"/>
+              </a:rPr>
+              <a:t>t</a:t>
+            </a:r>
+            <a:r>
+              <a:rPr b="0" lang="en-US" sz="1800" spc="-1" strike="noStrike">
+                <a:solidFill>
+                  <a:srgbClr val="000000"/>
+                </a:solidFill>
+                <a:latin typeface="Arial"/>
+              </a:rPr>
+              <a:t>i</a:t>
+            </a:r>
+            <a:r>
+              <a:rPr b="0" lang="en-US" sz="1800" spc="-1" strike="noStrike">
+                <a:solidFill>
+                  <a:srgbClr val="000000"/>
+                </a:solidFill>
+                <a:latin typeface="Arial"/>
+              </a:rPr>
+              <a:t>t</a:t>
+            </a:r>
+            <a:r>
+              <a:rPr b="0" lang="en-US" sz="1800" spc="-1" strike="noStrike">
+                <a:solidFill>
+                  <a:srgbClr val="000000"/>
+                </a:solidFill>
+                <a:latin typeface="Arial"/>
+              </a:rPr>
+              <a:t>l</a:t>
+            </a:r>
+            <a:r>
+              <a:rPr b="0" lang="en-US" sz="1800" spc="-1" strike="noStrike">
+                <a:solidFill>
+                  <a:srgbClr val="000000"/>
+                </a:solidFill>
+                <a:latin typeface="Arial"/>
+              </a:rPr>
+              <a:t>e</a:t>
+            </a:r>
+            <a:r>
+              <a:rPr b="0" lang="en-US" sz="1800" spc="-1" strike="noStrike">
+                <a:solidFill>
+                  <a:srgbClr val="000000"/>
+                </a:solidFill>
+                <a:latin typeface="Arial"/>
+              </a:rPr>
+              <a:t> </a:t>
+            </a:r>
+            <a:r>
+              <a:rPr b="0" lang="en-US" sz="1800" spc="-1" strike="noStrike">
+                <a:solidFill>
+                  <a:srgbClr val="000000"/>
+                </a:solidFill>
+                <a:latin typeface="Arial"/>
+              </a:rPr>
+              <a:t>t</a:t>
+            </a:r>
+            <a:r>
+              <a:rPr b="0" lang="en-US" sz="1800" spc="-1" strike="noStrike">
+                <a:solidFill>
+                  <a:srgbClr val="000000"/>
+                </a:solidFill>
+                <a:latin typeface="Arial"/>
+              </a:rPr>
+              <a:t>e</a:t>
+            </a:r>
+            <a:r>
+              <a:rPr b="0" lang="en-US" sz="1800" spc="-1" strike="noStrike">
+                <a:solidFill>
+                  <a:srgbClr val="000000"/>
+                </a:solidFill>
+                <a:latin typeface="Arial"/>
+              </a:rPr>
+              <a:t>x</a:t>
+            </a:r>
+            <a:r>
+              <a:rPr b="0" lang="en-US" sz="1800" spc="-1" strike="noStrike">
+                <a:solidFill>
+                  <a:srgbClr val="000000"/>
+                </a:solidFill>
+                <a:latin typeface="Arial"/>
+              </a:rPr>
+              <a:t>t</a:t>
+            </a:r>
+            <a:r>
+              <a:rPr b="0" lang="en-US" sz="1800" spc="-1" strike="noStrike">
+                <a:solidFill>
+                  <a:srgbClr val="000000"/>
+                </a:solidFill>
+                <a:latin typeface="Arial"/>
+              </a:rPr>
+              <a:t> </a:t>
+            </a:r>
+            <a:r>
+              <a:rPr b="0" lang="en-US" sz="1800" spc="-1" strike="noStrike">
+                <a:solidFill>
+                  <a:srgbClr val="000000"/>
+                </a:solidFill>
+                <a:latin typeface="Arial"/>
+              </a:rPr>
+              <a:t>f</a:t>
+            </a:r>
+            <a:r>
+              <a:rPr b="0" lang="en-US" sz="1800" spc="-1" strike="noStrike">
+                <a:solidFill>
+                  <a:srgbClr val="000000"/>
+                </a:solidFill>
+                <a:latin typeface="Arial"/>
+              </a:rPr>
+              <a:t>o</a:t>
+            </a:r>
+            <a:r>
+              <a:rPr b="0" lang="en-US" sz="1800" spc="-1" strike="noStrike">
+                <a:solidFill>
+                  <a:srgbClr val="000000"/>
+                </a:solidFill>
+                <a:latin typeface="Arial"/>
+              </a:rPr>
+              <a:t>r</a:t>
+            </a:r>
+            <a:r>
+              <a:rPr b="0" lang="en-US" sz="1800" spc="-1" strike="noStrike">
+                <a:solidFill>
+                  <a:srgbClr val="000000"/>
+                </a:solidFill>
+                <a:latin typeface="Arial"/>
+              </a:rPr>
+              <a:t>m</a:t>
+            </a:r>
+            <a:r>
+              <a:rPr b="0" lang="en-US" sz="1800" spc="-1" strike="noStrike">
+                <a:solidFill>
+                  <a:srgbClr val="000000"/>
+                </a:solidFill>
+                <a:latin typeface="Arial"/>
+              </a:rPr>
+              <a:t>a</a:t>
+            </a:r>
+            <a:r>
+              <a:rPr b="0" lang="en-US" sz="1800" spc="-1" strike="noStrike">
+                <a:solidFill>
+                  <a:srgbClr val="000000"/>
+                </a:solidFill>
+                <a:latin typeface="Arial"/>
+              </a:rPr>
+              <a:t>t</a:t>
+            </a:r>
+            <a:endParaRPr b="0" lang="en-US" sz="1800" spc="-1" strike="noStrike">
               <a:solidFill>
                 <a:srgbClr val="000000"/>
               </a:solidFill>
@@ -1042,7 +1386,7 @@
         <p:spPr>
           <a:xfrm>
             <a:off x="504000" y="1326600"/>
-            <a:ext cx="9071640" cy="3288240"/>
+            <a:ext cx="9071280" cy="3287880"/>
           </a:xfrm>
           <a:prstGeom prst="rect">
             <a:avLst/>
@@ -1069,7 +1413,7 @@
               <a:buChar char=""/>
             </a:pPr>
             <a:r>
-              <a:rPr b="0" lang="en-US" sz="3200" spc="-1" strike="noStrike">
+              <a:rPr b="0" lang="en-US" sz="1800" spc="-1" strike="noStrike">
                 <a:solidFill>
                   <a:srgbClr val="000000"/>
                 </a:solidFill>
@@ -1077,7 +1421,7 @@
               </a:rPr>
               <a:t>Click to edit the outline text format</a:t>
             </a:r>
-            <a:endParaRPr b="0" lang="en-US" sz="3200" spc="-1" strike="noStrike">
+            <a:endParaRPr b="0" lang="en-US" sz="1800" spc="-1" strike="noStrike">
               <a:solidFill>
                 <a:srgbClr val="000000"/>
               </a:solidFill>
@@ -1097,7 +1441,7 @@
               <a:buChar char=""/>
             </a:pPr>
             <a:r>
-              <a:rPr b="0" lang="en-US" sz="2800" spc="-1" strike="noStrike">
+              <a:rPr b="0" lang="en-US" sz="1800" spc="-1" strike="noStrike">
                 <a:solidFill>
                   <a:srgbClr val="000000"/>
                 </a:solidFill>
@@ -1105,7 +1449,7 @@
               </a:rPr>
               <a:t>Second Outline Level</a:t>
             </a:r>
-            <a:endParaRPr b="0" lang="en-US" sz="2800" spc="-1" strike="noStrike">
+            <a:endParaRPr b="0" lang="en-US" sz="1800" spc="-1" strike="noStrike">
               <a:solidFill>
                 <a:srgbClr val="000000"/>
               </a:solidFill>
@@ -1125,7 +1469,7 @@
               <a:buChar char=""/>
             </a:pPr>
             <a:r>
-              <a:rPr b="0" lang="en-US" sz="2400" spc="-1" strike="noStrike">
+              <a:rPr b="0" lang="en-US" sz="1800" spc="-1" strike="noStrike">
                 <a:solidFill>
                   <a:srgbClr val="000000"/>
                 </a:solidFill>
@@ -1133,7 +1477,7 @@
               </a:rPr>
               <a:t>Third Outline Level</a:t>
             </a:r>
-            <a:endParaRPr b="0" lang="en-US" sz="2400" spc="-1" strike="noStrike">
+            <a:endParaRPr b="0" lang="en-US" sz="1800" spc="-1" strike="noStrike">
               <a:solidFill>
                 <a:srgbClr val="000000"/>
               </a:solidFill>
@@ -1153,7 +1497,7 @@
               <a:buChar char=""/>
             </a:pPr>
             <a:r>
-              <a:rPr b="0" lang="en-US" sz="2000" spc="-1" strike="noStrike">
+              <a:rPr b="0" lang="en-US" sz="1800" spc="-1" strike="noStrike">
                 <a:solidFill>
                   <a:srgbClr val="000000"/>
                 </a:solidFill>
@@ -1161,7 +1505,7 @@
               </a:rPr>
               <a:t>Fourth Outline Level</a:t>
             </a:r>
-            <a:endParaRPr b="0" lang="en-US" sz="2000" spc="-1" strike="noStrike">
+            <a:endParaRPr b="0" lang="en-US" sz="1800" spc="-1" strike="noStrike">
               <a:solidFill>
                 <a:srgbClr val="000000"/>
               </a:solidFill>
@@ -1181,7 +1525,7 @@
               <a:buChar char=""/>
             </a:pPr>
             <a:r>
-              <a:rPr b="0" lang="en-US" sz="2000" spc="-1" strike="noStrike">
+              <a:rPr b="0" lang="en-US" sz="1800" spc="-1" strike="noStrike">
                 <a:solidFill>
                   <a:srgbClr val="000000"/>
                 </a:solidFill>
@@ -1189,7 +1533,7 @@
               </a:rPr>
               <a:t>Fifth Outline Level</a:t>
             </a:r>
-            <a:endParaRPr b="0" lang="en-US" sz="2000" spc="-1" strike="noStrike">
+            <a:endParaRPr b="0" lang="en-US" sz="1800" spc="-1" strike="noStrike">
               <a:solidFill>
                 <a:srgbClr val="000000"/>
               </a:solidFill>
@@ -1209,7 +1553,7 @@
               <a:buChar char=""/>
             </a:pPr>
             <a:r>
-              <a:rPr b="0" lang="en-US" sz="2000" spc="-1" strike="noStrike">
+              <a:rPr b="0" lang="en-US" sz="1800" spc="-1" strike="noStrike">
                 <a:solidFill>
                   <a:srgbClr val="000000"/>
                 </a:solidFill>
@@ -1217,7 +1561,7 @@
               </a:rPr>
               <a:t>Sixth Outline Level</a:t>
             </a:r>
-            <a:endParaRPr b="0" lang="en-US" sz="2000" spc="-1" strike="noStrike">
+            <a:endParaRPr b="0" lang="en-US" sz="1800" spc="-1" strike="noStrike">
               <a:solidFill>
                 <a:srgbClr val="000000"/>
               </a:solidFill>
@@ -1237,7 +1581,7 @@
               <a:buChar char=""/>
             </a:pPr>
             <a:r>
-              <a:rPr b="0" lang="en-US" sz="2000" spc="-1" strike="noStrike">
+              <a:rPr b="0" lang="en-US" sz="1800" spc="-1" strike="noStrike">
                 <a:solidFill>
                   <a:srgbClr val="000000"/>
                 </a:solidFill>
@@ -1245,7 +1589,7 @@
               </a:rPr>
               <a:t>Seventh Outline Level</a:t>
             </a:r>
-            <a:endParaRPr b="0" lang="en-US" sz="2000" spc="-1" strike="noStrike">
+            <a:endParaRPr b="0" lang="en-US" sz="1800" spc="-1" strike="noStrike">
               <a:solidFill>
                 <a:srgbClr val="000000"/>
               </a:solidFill>
@@ -1261,13 +1605,157 @@
             <a:spLocks noGrp="1"/>
           </p:cNvSpPr>
           <p:nvPr>
-            <p:ph type="dt" idx="1"/>
+            <p:ph type="ftr" idx="1"/>
+          </p:nvPr>
+        </p:nvSpPr>
+        <p:spPr>
+          <a:xfrm>
+            <a:off x="3447360" y="5165280"/>
+            <a:ext cx="3194640" cy="390240"/>
+          </a:xfrm>
+          <a:prstGeom prst="rect">
+            <a:avLst/>
+          </a:prstGeom>
+          <a:noFill/>
+          <a:ln w="0">
+            <a:noFill/>
+          </a:ln>
+        </p:spPr>
+        <p:txBody>
+          <a:bodyPr lIns="0" rIns="0" tIns="0" bIns="0" anchor="t">
+            <a:noAutofit/>
+          </a:bodyPr>
+          <a:lstStyle>
+            <a:lvl1pPr indent="0" algn="ctr">
+              <a:lnSpc>
+                <a:spcPct val="100000"/>
+              </a:lnSpc>
+              <a:buNone/>
+              <a:tabLst>
+                <a:tab algn="l" pos="0"/>
+              </a:tabLst>
+              <a:defRPr b="0" lang="en-US" sz="1400" spc="-1" strike="noStrike">
+                <a:solidFill>
+                  <a:srgbClr val="000000"/>
+                </a:solidFill>
+                <a:latin typeface="Times New Roman"/>
+              </a:defRPr>
+            </a:lvl1pPr>
+          </a:lstStyle>
+          <a:p>
+            <a:pPr indent="0" algn="ctr">
+              <a:lnSpc>
+                <a:spcPct val="100000"/>
+              </a:lnSpc>
+              <a:buNone/>
+              <a:tabLst>
+                <a:tab algn="l" pos="0"/>
+              </a:tabLst>
+            </a:pPr>
+            <a:r>
+              <a:rPr b="0" lang="en-US" sz="1400" spc="-1" strike="noStrike">
+                <a:solidFill>
+                  <a:srgbClr val="000000"/>
+                </a:solidFill>
+                <a:latin typeface="Times New Roman"/>
+              </a:rPr>
+              <a:t>&lt;footer&gt;</a:t>
+            </a:r>
+            <a:endParaRPr b="0" lang="en-US" sz="1400" spc="-1" strike="noStrike">
+              <a:solidFill>
+                <a:srgbClr val="000000"/>
+              </a:solidFill>
+              <a:latin typeface="Times New Roman"/>
+            </a:endParaRPr>
+          </a:p>
+        </p:txBody>
+      </p:sp>
+      <p:sp>
+        <p:nvSpPr>
+          <p:cNvPr id="3" name="PlaceHolder 4"/>
+          <p:cNvSpPr>
+            <a:spLocks noGrp="1"/>
+          </p:cNvSpPr>
+          <p:nvPr>
+            <p:ph type="sldNum" idx="2"/>
+          </p:nvPr>
+        </p:nvSpPr>
+        <p:spPr>
+          <a:xfrm>
+            <a:off x="7227360" y="5165280"/>
+            <a:ext cx="2347920" cy="390240"/>
+          </a:xfrm>
+          <a:prstGeom prst="rect">
+            <a:avLst/>
+          </a:prstGeom>
+          <a:noFill/>
+          <a:ln w="0">
+            <a:noFill/>
+          </a:ln>
+        </p:spPr>
+        <p:txBody>
+          <a:bodyPr lIns="0" rIns="0" tIns="0" bIns="0" anchor="t">
+            <a:noAutofit/>
+          </a:bodyPr>
+          <a:lstStyle>
+            <a:lvl1pPr indent="0" algn="r">
+              <a:lnSpc>
+                <a:spcPct val="100000"/>
+              </a:lnSpc>
+              <a:buNone/>
+              <a:tabLst>
+                <a:tab algn="l" pos="0"/>
+              </a:tabLst>
+              <a:defRPr b="0" lang="en-US" sz="1400" spc="-1" strike="noStrike">
+                <a:solidFill>
+                  <a:srgbClr val="000000"/>
+                </a:solidFill>
+                <a:latin typeface="Times New Roman"/>
+              </a:defRPr>
+            </a:lvl1pPr>
+          </a:lstStyle>
+          <a:p>
+            <a:pPr indent="0" algn="r">
+              <a:lnSpc>
+                <a:spcPct val="100000"/>
+              </a:lnSpc>
+              <a:buNone/>
+              <a:tabLst>
+                <a:tab algn="l" pos="0"/>
+              </a:tabLst>
+            </a:pPr>
+            <a:fld id="{67E11313-84CC-4DEC-AACC-18189EDCCECE}" type="slidenum">
+              <a:rPr b="0" lang="en-US" sz="1400" spc="-1" strike="noStrike">
+                <a:solidFill>
+                  <a:srgbClr val="000000"/>
+                </a:solidFill>
+                <a:latin typeface="Times New Roman"/>
+              </a:rPr>
+              <a:t>&lt;number&gt;</a:t>
+            </a:fld>
+            <a:endParaRPr b="0" lang="en-US" sz="1400" spc="-1" strike="noStrike">
+              <a:solidFill>
+                <a:srgbClr val="000000"/>
+              </a:solidFill>
+              <a:latin typeface="Times New Roman"/>
+            </a:endParaRPr>
+          </a:p>
+        </p:txBody>
+      </p:sp>
+      <p:sp>
+        <p:nvSpPr>
+          <p:cNvPr id="4" name="PlaceHolder 5"/>
+          <p:cNvSpPr>
+            <a:spLocks noGrp="1"/>
+          </p:cNvSpPr>
+          <p:nvPr>
+            <p:ph type="dt" idx="3"/>
           </p:nvPr>
         </p:nvSpPr>
         <p:spPr>
           <a:xfrm>
             <a:off x="504000" y="5165280"/>
-            <a:ext cx="2348280" cy="390600"/>
+            <a:ext cx="2347920" cy="390240"/>
           </a:xfrm>
           <a:prstGeom prst="rect">
             <a:avLst/>
@@ -1314,20 +1802,95 @@
           </a:p>
         </p:txBody>
       </p:sp>
+    </p:spTree>
+  </p:cSld>
+  <p:clrMap bg1="lt1" bg2="lt2" tx1="dk1" tx2="dk2" accent1="accent1" accent2="accent2" accent3="accent3" accent4="accent4" accent5="accent5" accent6="accent6" hlink="hlink" folHlink="folHlink"/>
+  <p:sldLayoutIdLst>
+    <p:sldLayoutId id="2147483649" r:id="rId2"/>
+  </p:sldLayoutIdLst>
+</p:sldMaster>
+</file>
+
+<file path=ppt/slideMasters/slideMaster2.xml><?xml version="1.0" encoding="utf-8"?>
+<p:sldMaster xmlns:a="http://schemas.openxmlformats.org/drawingml/2006/main" xmlns:p="http://schemas.openxmlformats.org/presentationml/2006/main" xmlns:r="http://schemas.openxmlformats.org/officeDocument/2006/relationships" xmlns:p14="http://schemas.microsoft.com/office/powerpoint/2010/main" xmlns:p15="http://schemas.microsoft.com/office/powerpoint/2012/main" xmlns:mc="http://schemas.openxmlformats.org/markup-compatibility/2006">
+  <p:cSld>
+    <p:spTree>
+      <p:nvGrpSpPr>
+        <p:cNvPr id="1" name=""/>
+        <p:cNvGrpSpPr/>
+        <p:nvPr/>
+      </p:nvGrpSpPr>
+      <p:grpSpPr>
+        <a:xfrm>
+          <a:off x="0" y="0"/>
+          <a:ext cx="0" cy="0"/>
+          <a:chOff x="0" y="0"/>
+          <a:chExt cx="0" cy="0"/>
+        </a:xfrm>
+      </p:grpSpPr>
       <p:sp>
         <p:nvSpPr>
-          <p:cNvPr id="3" name="PlaceHolder 4"/>
+          <p:cNvPr id="7" name="PlaceHolder 1"/>
           <p:cNvSpPr>
             <a:spLocks noGrp="1"/>
           </p:cNvSpPr>
           <p:nvPr>
-            <p:ph type="ftr" idx="2"/>
+            <p:ph type="title"/>
+          </p:nvPr>
+        </p:nvSpPr>
+        <p:spPr>
+          <a:xfrm>
+            <a:off x="504000" y="226080"/>
+            <a:ext cx="9071280" cy="946080"/>
+          </a:xfrm>
+          <a:prstGeom prst="rect">
+            <a:avLst/>
+          </a:prstGeom>
+          <a:noFill/>
+          <a:ln w="0">
+            <a:noFill/>
+          </a:ln>
+        </p:spPr>
+        <p:txBody>
+          <a:bodyPr lIns="0" rIns="0" tIns="0" bIns="0" anchor="ctr">
+            <a:noAutofit/>
+          </a:bodyPr>
+          <a:p>
+            <a:pPr indent="0">
+              <a:buNone/>
+            </a:pPr>
+            <a:r>
+              <a:rPr b="0" lang="en-US" sz="1800" spc="-1" strike="noStrike">
+                <a:solidFill>
+                  <a:srgbClr val="000000"/>
+                </a:solidFill>
+                <a:latin typeface="Arial"/>
+              </a:rPr>
+              <a:t>Click to edit the title text format</a:t>
+            </a:r>
+            <a:endParaRPr b="0" lang="en-US" sz="1800" spc="-1" strike="noStrike">
+              <a:solidFill>
+                <a:srgbClr val="000000"/>
+              </a:solidFill>
+              <a:latin typeface="Arial"/>
+            </a:endParaRPr>
+          </a:p>
+        </p:txBody>
+      </p:sp>
+      <p:sp>
+        <p:nvSpPr>
+          <p:cNvPr id="8" name="PlaceHolder 2"/>
+          <p:cNvSpPr>
+            <a:spLocks noGrp="1"/>
+          </p:cNvSpPr>
+          <p:nvPr>
+            <p:ph type="ftr" idx="4"/>
           </p:nvPr>
         </p:nvSpPr>
         <p:spPr>
           <a:xfrm>
             <a:off x="3447360" y="5165280"/>
-            <a:ext cx="3195000" cy="390600"/>
+            <a:ext cx="3194640" cy="390240"/>
           </a:xfrm>
           <a:prstGeom prst="rect">
             <a:avLst/>
@@ -1343,7 +1906,13 @@
           </a:bodyPr>
           <a:lstStyle>
             <a:lvl1pPr indent="0" algn="ctr">
+              <a:lnSpc>
+                <a:spcPct val="100000"/>
+              </a:lnSpc>
               <a:buNone/>
+              <a:tabLst>
+                <a:tab algn="l" pos="0"/>
+              </a:tabLst>
               <a:defRPr b="0" lang="en-US" sz="1400" spc="-1" strike="noStrike">
                 <a:solidFill>
                   <a:srgbClr val="000000"/>
@@ -1354,7 +1923,13 @@
           </a:lstStyle>
           <a:p>
             <a:pPr indent="0" algn="ctr">
+              <a:lnSpc>
+                <a:spcPct val="100000"/>
+              </a:lnSpc>
               <a:buNone/>
+              <a:tabLst>
+                <a:tab algn="l" pos="0"/>
+              </a:tabLst>
             </a:pPr>
             <a:r>
               <a:rPr b="0" lang="en-US" sz="1400" spc="-1" strike="noStrike">
@@ -1376,18 +1951,18 @@
       </p:sp>
       <p:sp>
         <p:nvSpPr>
-          <p:cNvPr id="4" name="PlaceHolder 5"/>
+          <p:cNvPr id="9" name="PlaceHolder 3"/>
           <p:cNvSpPr>
             <a:spLocks noGrp="1"/>
           </p:cNvSpPr>
           <p:nvPr>
-            <p:ph type="sldNum" idx="3"/>
+            <p:ph type="sldNum" idx="5"/>
           </p:nvPr>
         </p:nvSpPr>
         <p:spPr>
           <a:xfrm>
             <a:off x="7227360" y="5165280"/>
-            <a:ext cx="2348280" cy="390600"/>
+            <a:ext cx="2347920" cy="390240"/>
           </a:xfrm>
           <a:prstGeom prst="rect">
             <a:avLst/>
@@ -1403,7 +1978,13 @@
           </a:bodyPr>
           <a:lstStyle>
             <a:lvl1pPr indent="0" algn="r">
+              <a:lnSpc>
+                <a:spcPct val="100000"/>
+              </a:lnSpc>
               <a:buNone/>
+              <a:tabLst>
+                <a:tab algn="l" pos="0"/>
+              </a:tabLst>
               <a:defRPr b="0" lang="en-US" sz="1400" spc="-1" strike="noStrike">
                 <a:solidFill>
                   <a:srgbClr val="000000"/>
@@ -1414,9 +1995,15 @@
           </a:lstStyle>
           <a:p>
             <a:pPr indent="0" algn="r">
+              <a:lnSpc>
+                <a:spcPct val="100000"/>
+              </a:lnSpc>
               <a:buNone/>
-            </a:pPr>
-            <a:fld id="{C785DDDD-0617-42C5-B257-95E131F29AE4}" type="slidenum">
+              <a:tabLst>
+                <a:tab algn="l" pos="0"/>
+              </a:tabLst>
+            </a:pPr>
+            <a:fld id="{A077D2A3-2F39-4BD3-BC6E-652D740AB17F}" type="slidenum">
               <a:rPr b="0" lang="en-US" sz="1400" spc="-1" strike="noStrike">
                 <a:solidFill>
                   <a:srgbClr val="000000"/>
@@ -1430,6 +2017,291 @@
                 <a:srgbClr val="000000"/>
               </a:solidFill>
               <a:latin typeface="Times New Roman"/>
+            </a:endParaRPr>
+          </a:p>
+        </p:txBody>
+      </p:sp>
+      <p:sp>
+        <p:nvSpPr>
+          <p:cNvPr id="10" name="PlaceHolder 4"/>
+          <p:cNvSpPr>
+            <a:spLocks noGrp="1"/>
+          </p:cNvSpPr>
+          <p:nvPr>
+            <p:ph type="dt" idx="6"/>
+          </p:nvPr>
+        </p:nvSpPr>
+        <p:spPr>
+          <a:xfrm>
+            <a:off x="504000" y="5165280"/>
+            <a:ext cx="2347920" cy="390240"/>
+          </a:xfrm>
+          <a:prstGeom prst="rect">
+            <a:avLst/>
+          </a:prstGeom>
+          <a:noFill/>
+          <a:ln w="0">
+            <a:noFill/>
+          </a:ln>
+        </p:spPr>
+        <p:txBody>
+          <a:bodyPr lIns="0" rIns="0" tIns="0" bIns="0" anchor="t">
+            <a:noAutofit/>
+          </a:bodyPr>
+          <a:lstStyle>
+            <a:lvl1pPr indent="0">
+              <a:buNone/>
+              <a:defRPr b="0" lang="en-US" sz="1400" spc="-1" strike="noStrike">
+                <a:solidFill>
+                  <a:srgbClr val="000000"/>
+                </a:solidFill>
+                <a:latin typeface="Times New Roman"/>
+              </a:defRPr>
+            </a:lvl1pPr>
+          </a:lstStyle>
+          <a:p>
+            <a:pPr indent="0">
+              <a:buNone/>
+            </a:pPr>
+            <a:r>
+              <a:rPr b="0" lang="en-US" sz="1400" spc="-1" strike="noStrike">
+                <a:solidFill>
+                  <a:srgbClr val="000000"/>
+                </a:solidFill>
+                <a:latin typeface="Times New Roman"/>
+              </a:rPr>
+              <a:t>&lt;date/time&gt;</a:t>
+            </a:r>
+            <a:endParaRPr b="0" lang="en-US" sz="1400" spc="-1" strike="noStrike">
+              <a:solidFill>
+                <a:srgbClr val="000000"/>
+              </a:solidFill>
+              <a:latin typeface="Times New Roman"/>
+            </a:endParaRPr>
+          </a:p>
+        </p:txBody>
+      </p:sp>
+      <p:sp>
+        <p:nvSpPr>
+          <p:cNvPr id="11" name="PlaceHolder 5"/>
+          <p:cNvSpPr>
+            <a:spLocks noGrp="1"/>
+          </p:cNvSpPr>
+          <p:nvPr>
+            <p:ph type="body"/>
+          </p:nvPr>
+        </p:nvSpPr>
+        <p:spPr>
+          <a:xfrm>
+            <a:off x="504000" y="1326600"/>
+            <a:ext cx="9072000" cy="3288600"/>
+          </a:xfrm>
+          <a:prstGeom prst="rect">
+            <a:avLst/>
+          </a:prstGeom>
+          <a:noFill/>
+          <a:ln w="0">
+            <a:noFill/>
+          </a:ln>
+        </p:spPr>
+        <p:txBody>
+          <a:bodyPr lIns="0" rIns="0" tIns="0" bIns="0" anchor="t">
+            <a:normAutofit/>
+          </a:bodyPr>
+          <a:p>
+            <a:pPr marL="432000" indent="-324000">
+              <a:spcBef>
+                <a:spcPts val="1417"/>
+              </a:spcBef>
+              <a:buClr>
+                <a:srgbClr val="000000"/>
+              </a:buClr>
+              <a:buSzPct val="45000"/>
+              <a:buFont typeface="Wingdings" charset="2"/>
+              <a:buChar char=""/>
+            </a:pPr>
+            <a:r>
+              <a:rPr b="0" lang="en-US" sz="3200" spc="-1" strike="noStrike">
+                <a:solidFill>
+                  <a:srgbClr val="000000"/>
+                </a:solidFill>
+                <a:latin typeface="Arial"/>
+              </a:rPr>
+              <a:t>Click to edit the outline text format</a:t>
+            </a:r>
+            <a:endParaRPr b="0" lang="en-US" sz="3200" spc="-1" strike="noStrike">
+              <a:solidFill>
+                <a:srgbClr val="000000"/>
+              </a:solidFill>
+              <a:latin typeface="Arial"/>
+            </a:endParaRPr>
+          </a:p>
+          <a:p>
+            <a:pPr lvl="1" marL="864000" indent="-324000">
+              <a:spcBef>
+                <a:spcPts val="1134"/>
+              </a:spcBef>
+              <a:buClr>
+                <a:srgbClr val="000000"/>
+              </a:buClr>
+              <a:buSzPct val="75000"/>
+              <a:buFont typeface="Symbol" charset="2"/>
+              <a:buChar char=""/>
+            </a:pPr>
+            <a:r>
+              <a:rPr b="0" lang="en-US" sz="2800" spc="-1" strike="noStrike">
+                <a:solidFill>
+                  <a:srgbClr val="000000"/>
+                </a:solidFill>
+                <a:latin typeface="Arial"/>
+              </a:rPr>
+              <a:t>Second Outline Level</a:t>
+            </a:r>
+            <a:endParaRPr b="0" lang="en-US" sz="2800" spc="-1" strike="noStrike">
+              <a:solidFill>
+                <a:srgbClr val="000000"/>
+              </a:solidFill>
+              <a:latin typeface="Arial"/>
+            </a:endParaRPr>
+          </a:p>
+          <a:p>
+            <a:pPr lvl="2" marL="1296000" indent="-288000">
+              <a:spcBef>
+                <a:spcPts val="850"/>
+              </a:spcBef>
+              <a:buClr>
+                <a:srgbClr val="000000"/>
+              </a:buClr>
+              <a:buSzPct val="45000"/>
+              <a:buFont typeface="Wingdings" charset="2"/>
+              <a:buChar char=""/>
+            </a:pPr>
+            <a:r>
+              <a:rPr b="0" lang="en-US" sz="2400" spc="-1" strike="noStrike">
+                <a:solidFill>
+                  <a:srgbClr val="000000"/>
+                </a:solidFill>
+                <a:latin typeface="Arial"/>
+              </a:rPr>
+              <a:t>Third Outline Level</a:t>
+            </a:r>
+            <a:endParaRPr b="0" lang="en-US" sz="2400" spc="-1" strike="noStrike">
+              <a:solidFill>
+                <a:srgbClr val="000000"/>
+              </a:solidFill>
+              <a:latin typeface="Arial"/>
+            </a:endParaRPr>
+          </a:p>
+          <a:p>
+            <a:pPr lvl="3" marL="1728000" indent="-216000">
+              <a:spcBef>
+                <a:spcPts val="567"/>
+              </a:spcBef>
+              <a:buClr>
+                <a:srgbClr val="000000"/>
+              </a:buClr>
+              <a:buSzPct val="75000"/>
+              <a:buFont typeface="Symbol" charset="2"/>
+              <a:buChar char=""/>
+            </a:pPr>
+            <a:r>
+              <a:rPr b="0" lang="en-US" sz="2000" spc="-1" strike="noStrike">
+                <a:solidFill>
+                  <a:srgbClr val="000000"/>
+                </a:solidFill>
+                <a:latin typeface="Arial"/>
+              </a:rPr>
+              <a:t>Fourth Outline Level</a:t>
+            </a:r>
+            <a:endParaRPr b="0" lang="en-US" sz="2000" spc="-1" strike="noStrike">
+              <a:solidFill>
+                <a:srgbClr val="000000"/>
+              </a:solidFill>
+              <a:latin typeface="Arial"/>
+            </a:endParaRPr>
+          </a:p>
+          <a:p>
+            <a:pPr lvl="4" marL="2160000" indent="-216000">
+              <a:spcBef>
+                <a:spcPts val="283"/>
+              </a:spcBef>
+              <a:buClr>
+                <a:srgbClr val="000000"/>
+              </a:buClr>
+              <a:buSzPct val="45000"/>
+              <a:buFont typeface="Wingdings" charset="2"/>
+              <a:buChar char=""/>
+            </a:pPr>
+            <a:r>
+              <a:rPr b="0" lang="en-US" sz="2000" spc="-1" strike="noStrike">
+                <a:solidFill>
+                  <a:srgbClr val="000000"/>
+                </a:solidFill>
+                <a:latin typeface="Arial"/>
+              </a:rPr>
+              <a:t>Fifth Outline Level</a:t>
+            </a:r>
+            <a:endParaRPr b="0" lang="en-US" sz="2000" spc="-1" strike="noStrike">
+              <a:solidFill>
+                <a:srgbClr val="000000"/>
+              </a:solidFill>
+              <a:latin typeface="Arial"/>
+            </a:endParaRPr>
+          </a:p>
+          <a:p>
+            <a:pPr lvl="5" marL="2592000" indent="-216000">
+              <a:spcBef>
+                <a:spcPts val="283"/>
+              </a:spcBef>
+              <a:buClr>
+                <a:srgbClr val="000000"/>
+              </a:buClr>
+              <a:buSzPct val="45000"/>
+              <a:buFont typeface="Wingdings" charset="2"/>
+              <a:buChar char=""/>
+            </a:pPr>
+            <a:r>
+              <a:rPr b="0" lang="en-US" sz="2000" spc="-1" strike="noStrike">
+                <a:solidFill>
+                  <a:srgbClr val="000000"/>
+                </a:solidFill>
+                <a:latin typeface="Arial"/>
+              </a:rPr>
+              <a:t>Sixth Outline Level</a:t>
+            </a:r>
+            <a:endParaRPr b="0" lang="en-US" sz="2000" spc="-1" strike="noStrike">
+              <a:solidFill>
+                <a:srgbClr val="000000"/>
+              </a:solidFill>
+              <a:latin typeface="Arial"/>
+            </a:endParaRPr>
+          </a:p>
+          <a:p>
+            <a:pPr lvl="6" marL="3024000" indent="-216000">
+              <a:spcBef>
+                <a:spcPts val="283"/>
+              </a:spcBef>
+              <a:buClr>
+                <a:srgbClr val="000000"/>
+              </a:buClr>
+              <a:buSzPct val="45000"/>
+              <a:buFont typeface="Wingdings" charset="2"/>
+              <a:buChar char=""/>
+            </a:pPr>
+            <a:r>
+              <a:rPr b="0" lang="en-US" sz="2000" spc="-1" strike="noStrike">
+                <a:solidFill>
+                  <a:srgbClr val="000000"/>
+                </a:solidFill>
+                <a:latin typeface="Arial"/>
+              </a:rPr>
+              <a:t>Seventh Outline Level</a:t>
+            </a:r>
+            <a:endParaRPr b="0" lang="en-US" sz="2000" spc="-1" strike="noStrike">
+              <a:solidFill>
+                <a:srgbClr val="000000"/>
+              </a:solidFill>
+              <a:latin typeface="Arial"/>
             </a:endParaRPr>
           </a:p>
         </p:txBody>
@@ -1438,8 +2310,7 @@
   </p:cSld>
   <p:clrMap bg1="lt1" bg2="lt2" tx1="dk1" tx2="dk2" accent1="accent1" accent2="accent2" accent3="accent3" accent4="accent4" accent5="accent5" accent6="accent6" hlink="hlink" folHlink="folHlink"/>
   <p:sldLayoutIdLst>
-    <p:sldLayoutId id="2147483649" r:id="rId2"/>
-    <p:sldLayoutId id="2147483650" r:id="rId3"/>
+    <p:sldLayoutId id="2147483651" r:id="rId2"/>
   </p:sldLayoutIdLst>
 </p:sldMaster>
 </file>
@@ -1463,7 +2334,7 @@
       </p:grpSpPr>
       <p:sp>
         <p:nvSpPr>
-          <p:cNvPr id="15" name="PlaceHolder 1"/>
+          <p:cNvPr id="20" name="PlaceHolder 1"/>
           <p:cNvSpPr>
             <a:spLocks noGrp="1"/>
           </p:cNvSpPr>
@@ -1474,7 +2345,7 @@
         <p:spPr>
           <a:xfrm>
             <a:off x="504000" y="226080"/>
-            <a:ext cx="9071640" cy="4803120"/>
+            <a:ext cx="9071280" cy="4802760"/>
           </a:xfrm>
           <a:prstGeom prst="rect">
             <a:avLst/>
@@ -1490,7 +2361,13 @@
           </a:bodyPr>
           <a:p>
             <a:pPr indent="0" algn="ctr">
+              <a:lnSpc>
+                <a:spcPct val="100000"/>
+              </a:lnSpc>
               <a:buNone/>
+              <a:tabLst>
+                <a:tab algn="l" pos="0"/>
+              </a:tabLst>
             </a:pPr>
             <a:r>
               <a:rPr b="0" lang="en-US" sz="4400" spc="-1" strike="noStrike">
@@ -1542,7 +2419,7 @@
       </p:grpSpPr>
       <p:sp>
         <p:nvSpPr>
-          <p:cNvPr id="32" name="PlaceHolder 1"/>
+          <p:cNvPr id="42" name="PlaceHolder 1"/>
           <p:cNvSpPr>
             <a:spLocks noGrp="1"/>
           </p:cNvSpPr>
@@ -1553,7 +2430,7 @@
         <p:spPr>
           <a:xfrm>
             <a:off x="504000" y="226080"/>
-            <a:ext cx="9071640" cy="946440"/>
+            <a:ext cx="9071280" cy="946080"/>
           </a:xfrm>
           <a:prstGeom prst="rect">
             <a:avLst/>
@@ -1569,7 +2446,13 @@
           </a:bodyPr>
           <a:p>
             <a:pPr indent="0" algn="ctr">
+              <a:lnSpc>
+                <a:spcPct val="100000"/>
+              </a:lnSpc>
               <a:buNone/>
+              <a:tabLst>
+                <a:tab algn="l" pos="0"/>
+              </a:tabLst>
             </a:pPr>
             <a:r>
               <a:rPr b="0" lang="en-US" sz="4400" spc="-1" strike="noStrike">
@@ -1591,7 +2474,7 @@
       </p:sp>
       <p:sp>
         <p:nvSpPr>
-          <p:cNvPr id="33" name="PlaceHolder 2"/>
+          <p:cNvPr id="43" name="PlaceHolder 2"/>
           <p:cNvSpPr>
             <a:spLocks noGrp="1"/>
           </p:cNvSpPr>
@@ -1602,7 +2485,7 @@
         <p:spPr>
           <a:xfrm>
             <a:off x="504000" y="1326600"/>
-            <a:ext cx="9071640" cy="3288240"/>
+            <a:ext cx="9071280" cy="3287880"/>
           </a:xfrm>
           <a:prstGeom prst="rect">
             <a:avLst/>
@@ -1623,7 +2506,7 @@
               </a:spcBef>
               <a:buNone/>
             </a:pPr>
-            <a:endParaRPr b="0" lang="en-US" sz="3200" spc="-1" strike="noStrike">
+            <a:endParaRPr b="0" lang="en-US" sz="1800" spc="-1" strike="noStrike">
               <a:solidFill>
                 <a:srgbClr val="000000"/>
               </a:solidFill>
@@ -1632,6 +2515,29 @@
           </a:p>
         </p:txBody>
       </p:sp>
+      <p:pic>
+        <p:nvPicPr>
+          <p:cNvPr id="44" name="" descr=""/>
+          <p:cNvPicPr/>
+          <p:nvPr/>
+        </p:nvPicPr>
+        <p:blipFill>
+          <a:blip r:embed="rId1"/>
+          <a:stretch/>
+        </p:blipFill>
+        <p:spPr>
+          <a:xfrm>
+            <a:off x="685800" y="1364040"/>
+            <a:ext cx="7651800" cy="3893760"/>
+          </a:xfrm>
+          <a:prstGeom prst="rect">
+            <a:avLst/>
+          </a:prstGeom>
+          <a:ln w="0">
+            <a:noFill/>
+          </a:ln>
+        </p:spPr>
+      </p:pic>
     </p:spTree>
   </p:cSld>
   <mc:AlternateContent>
@@ -1664,7 +2570,7 @@
       </p:grpSpPr>
       <p:sp>
         <p:nvSpPr>
-          <p:cNvPr id="34" name="PlaceHolder 1"/>
+          <p:cNvPr id="45" name="PlaceHolder 1"/>
           <p:cNvSpPr>
             <a:spLocks noGrp="1"/>
           </p:cNvSpPr>
@@ -1675,7 +2581,7 @@
         <p:spPr>
           <a:xfrm>
             <a:off x="504000" y="226080"/>
-            <a:ext cx="9071640" cy="946440"/>
+            <a:ext cx="9071280" cy="946080"/>
           </a:xfrm>
           <a:prstGeom prst="rect">
             <a:avLst/>
@@ -1700,7 +2606,7 @@
                 </a:solidFill>
                 <a:latin typeface="Arial"/>
               </a:rPr>
-              <a:t>My Thoughts</a:t>
+              <a:t>Results</a:t>
             </a:r>
             <a:endParaRPr b="0" lang="en-US" sz="4400" spc="-1" strike="noStrike">
               <a:solidFill>
@@ -1713,7 +2619,7 @@
       </p:sp>
       <p:sp>
         <p:nvSpPr>
-          <p:cNvPr id="35" name="PlaceHolder 2"/>
+          <p:cNvPr id="46" name="PlaceHolder 2"/>
           <p:cNvSpPr>
             <a:spLocks noGrp="1"/>
           </p:cNvSpPr>
@@ -1724,7 +2630,7 @@
         <p:spPr>
           <a:xfrm>
             <a:off x="504000" y="1326600"/>
-            <a:ext cx="9071640" cy="3288240"/>
+            <a:ext cx="9071280" cy="3287880"/>
           </a:xfrm>
           <a:prstGeom prst="rect">
             <a:avLst/>
@@ -1754,6 +2660,29 @@
           </a:p>
         </p:txBody>
       </p:sp>
+      <p:pic>
+        <p:nvPicPr>
+          <p:cNvPr id="47" name="" descr=""/>
+          <p:cNvPicPr/>
+          <p:nvPr/>
+        </p:nvPicPr>
+        <p:blipFill>
+          <a:blip r:embed="rId1"/>
+          <a:stretch/>
+        </p:blipFill>
+        <p:spPr>
+          <a:xfrm>
+            <a:off x="1828800" y="1098720"/>
+            <a:ext cx="6499800" cy="4572000"/>
+          </a:xfrm>
+          <a:prstGeom prst="rect">
+            <a:avLst/>
+          </a:prstGeom>
+          <a:ln w="0">
+            <a:noFill/>
+          </a:ln>
+        </p:spPr>
+      </p:pic>
     </p:spTree>
   </p:cSld>
   <mc:AlternateContent>
@@ -1786,7 +2715,7 @@
       </p:grpSpPr>
       <p:sp>
         <p:nvSpPr>
-          <p:cNvPr id="36" name="PlaceHolder 1"/>
+          <p:cNvPr id="48" name="PlaceHolder 1"/>
           <p:cNvSpPr>
             <a:spLocks noGrp="1"/>
           </p:cNvSpPr>
@@ -1797,7 +2726,7 @@
         <p:spPr>
           <a:xfrm>
             <a:off x="504000" y="226080"/>
-            <a:ext cx="9071640" cy="946440"/>
+            <a:ext cx="9071280" cy="946080"/>
           </a:xfrm>
           <a:prstGeom prst="rect">
             <a:avLst/>
@@ -1813,7 +2742,13 @@
           </a:bodyPr>
           <a:p>
             <a:pPr indent="0" algn="ctr">
+              <a:lnSpc>
+                <a:spcPct val="100000"/>
+              </a:lnSpc>
               <a:buNone/>
+              <a:tabLst>
+                <a:tab algn="l" pos="0"/>
+              </a:tabLst>
             </a:pPr>
             <a:r>
               <a:rPr b="0" lang="en-US" sz="4400" spc="-1" strike="noStrike">
@@ -1822,7 +2757,7 @@
                 </a:solidFill>
                 <a:latin typeface="Arial"/>
               </a:rPr>
-              <a:t>References</a:t>
+              <a:t>My Thoughts</a:t>
             </a:r>
             <a:endParaRPr b="0" lang="en-US" sz="4400" spc="-1" strike="noStrike">
               <a:solidFill>
@@ -1835,7 +2770,7 @@
       </p:sp>
       <p:sp>
         <p:nvSpPr>
-          <p:cNvPr id="37" name="PlaceHolder 2"/>
+          <p:cNvPr id="49" name="PlaceHolder 2"/>
           <p:cNvSpPr>
             <a:spLocks noGrp="1"/>
           </p:cNvSpPr>
@@ -1846,7 +2781,7 @@
         <p:spPr>
           <a:xfrm>
             <a:off x="504000" y="1326600"/>
-            <a:ext cx="9071640" cy="3288240"/>
+            <a:ext cx="9071280" cy="3287880"/>
           </a:xfrm>
           <a:prstGeom prst="rect">
             <a:avLst/>
@@ -1867,7 +2802,7 @@
               </a:spcBef>
               <a:buNone/>
             </a:pPr>
-            <a:endParaRPr b="0" lang="en-US" sz="3200" spc="-1" strike="noStrike">
+            <a:endParaRPr b="0" lang="en-US" sz="1800" spc="-1" strike="noStrike">
               <a:solidFill>
                 <a:srgbClr val="000000"/>
               </a:solidFill>
@@ -1908,7 +2843,7 @@
       </p:grpSpPr>
       <p:sp>
         <p:nvSpPr>
-          <p:cNvPr id="38" name="PlaceHolder 1"/>
+          <p:cNvPr id="50" name="PlaceHolder 1"/>
           <p:cNvSpPr>
             <a:spLocks noGrp="1"/>
           </p:cNvSpPr>
@@ -1919,7 +2854,7 @@
         <p:spPr>
           <a:xfrm>
             <a:off x="504000" y="226080"/>
-            <a:ext cx="9071640" cy="946440"/>
+            <a:ext cx="9071280" cy="946080"/>
           </a:xfrm>
           <a:prstGeom prst="rect">
             <a:avLst/>
@@ -1935,7 +2870,13 @@
           </a:bodyPr>
           <a:p>
             <a:pPr indent="0" algn="ctr">
+              <a:lnSpc>
+                <a:spcPct val="100000"/>
+              </a:lnSpc>
               <a:buNone/>
+              <a:tabLst>
+                <a:tab algn="l" pos="0"/>
+              </a:tabLst>
             </a:pPr>
             <a:r>
               <a:rPr b="0" lang="en-US" sz="4400" spc="-1" strike="noStrike">
@@ -1944,7 +2885,7 @@
                 </a:solidFill>
                 <a:latin typeface="Arial"/>
               </a:rPr>
-              <a:t>Questions</a:t>
+              <a:t>References</a:t>
             </a:r>
             <a:endParaRPr b="0" lang="en-US" sz="4400" spc="-1" strike="noStrike">
               <a:solidFill>
@@ -1957,7 +2898,7 @@
       </p:sp>
       <p:sp>
         <p:nvSpPr>
-          <p:cNvPr id="39" name="PlaceHolder 2"/>
+          <p:cNvPr id="51" name="PlaceHolder 2"/>
           <p:cNvSpPr>
             <a:spLocks noGrp="1"/>
           </p:cNvSpPr>
@@ -1968,7 +2909,7 @@
         <p:spPr>
           <a:xfrm>
             <a:off x="504000" y="1326600"/>
-            <a:ext cx="9071640" cy="3288240"/>
+            <a:ext cx="9071280" cy="3287880"/>
           </a:xfrm>
           <a:prstGeom prst="rect">
             <a:avLst/>
@@ -1989,7 +2930,135 @@
               </a:spcBef>
               <a:buNone/>
             </a:pPr>
-            <a:endParaRPr b="0" lang="en-US" sz="3200" spc="-1" strike="noStrike">
+            <a:endParaRPr b="0" lang="en-US" sz="1800" spc="-1" strike="noStrike">
+              <a:solidFill>
+                <a:srgbClr val="000000"/>
+              </a:solidFill>
+              <a:latin typeface="Arial"/>
+            </a:endParaRPr>
+          </a:p>
+        </p:txBody>
+      </p:sp>
+    </p:spTree>
+  </p:cSld>
+  <mc:AlternateContent>
+    <mc:Choice Requires="p14">
+      <p:transition spd="slow" p14:dur="2000"/>
+    </mc:Choice>
+    <mc:Fallback>
+      <p:transition spd="slow"/>
+    </mc:Fallback>
+  </mc:AlternateContent>
+</p:sld>
+</file>
+
+<file path=ppt/slides/slide14.xml><?xml version="1.0" encoding="utf-8"?>
+<p:sld xmlns:a="http://schemas.openxmlformats.org/drawingml/2006/main" xmlns:p="http://schemas.openxmlformats.org/presentationml/2006/main" xmlns:r="http://schemas.openxmlformats.org/officeDocument/2006/relationships" xmlns:p14="http://schemas.microsoft.com/office/powerpoint/2010/main" xmlns:p15="http://schemas.microsoft.com/office/powerpoint/2012/main" xmlns:mc="http://schemas.openxmlformats.org/markup-compatibility/2006">
+  <p:cSld>
+    <p:spTree>
+      <p:nvGrpSpPr>
+        <p:cNvPr id="1" name=""/>
+        <p:cNvGrpSpPr/>
+        <p:nvPr/>
+      </p:nvGrpSpPr>
+      <p:grpSpPr>
+        <a:xfrm>
+          <a:off x="0" y="0"/>
+          <a:ext cx="0" cy="0"/>
+          <a:chOff x="0" y="0"/>
+          <a:chExt cx="0" cy="0"/>
+        </a:xfrm>
+      </p:grpSpPr>
+      <p:sp>
+        <p:nvSpPr>
+          <p:cNvPr id="52" name="PlaceHolder 1"/>
+          <p:cNvSpPr>
+            <a:spLocks noGrp="1"/>
+          </p:cNvSpPr>
+          <p:nvPr>
+            <p:ph type="title"/>
+          </p:nvPr>
+        </p:nvSpPr>
+        <p:spPr>
+          <a:xfrm>
+            <a:off x="504000" y="226080"/>
+            <a:ext cx="9071280" cy="946080"/>
+          </a:xfrm>
+          <a:prstGeom prst="rect">
+            <a:avLst/>
+          </a:prstGeom>
+          <a:noFill/>
+          <a:ln w="0">
+            <a:noFill/>
+          </a:ln>
+        </p:spPr>
+        <p:txBody>
+          <a:bodyPr lIns="0" rIns="0" tIns="0" bIns="0" anchor="ctr">
+            <a:noAutofit/>
+          </a:bodyPr>
+          <a:p>
+            <a:pPr indent="0" algn="ctr">
+              <a:lnSpc>
+                <a:spcPct val="100000"/>
+              </a:lnSpc>
+              <a:buNone/>
+              <a:tabLst>
+                <a:tab algn="l" pos="0"/>
+              </a:tabLst>
+            </a:pPr>
+            <a:r>
+              <a:rPr b="0" lang="en-US" sz="4400" spc="-1" strike="noStrike">
+                <a:solidFill>
+                  <a:srgbClr val="000000"/>
+                </a:solidFill>
+                <a:latin typeface="Arial"/>
+              </a:rPr>
+              <a:t>Questions</a:t>
+            </a:r>
+            <a:endParaRPr b="0" lang="en-US" sz="4400" spc="-1" strike="noStrike">
+              <a:solidFill>
+                <a:srgbClr val="000000"/>
+              </a:solidFill>
+              <a:latin typeface="Arial"/>
+            </a:endParaRPr>
+          </a:p>
+        </p:txBody>
+      </p:sp>
+      <p:sp>
+        <p:nvSpPr>
+          <p:cNvPr id="53" name="PlaceHolder 2"/>
+          <p:cNvSpPr>
+            <a:spLocks noGrp="1"/>
+          </p:cNvSpPr>
+          <p:nvPr>
+            <p:ph/>
+          </p:nvPr>
+        </p:nvSpPr>
+        <p:spPr>
+          <a:xfrm>
+            <a:off x="504000" y="1326600"/>
+            <a:ext cx="9071280" cy="3287880"/>
+          </a:xfrm>
+          <a:prstGeom prst="rect">
+            <a:avLst/>
+          </a:prstGeom>
+          <a:noFill/>
+          <a:ln w="0">
+            <a:noFill/>
+          </a:ln>
+        </p:spPr>
+        <p:txBody>
+          <a:bodyPr lIns="0" rIns="0" tIns="0" bIns="0" anchor="t">
+            <a:normAutofit/>
+          </a:bodyPr>
+          <a:p>
+            <a:pPr indent="0">
+              <a:spcBef>
+                <a:spcPts val="1417"/>
+              </a:spcBef>
+              <a:buNone/>
+            </a:pPr>
+            <a:endParaRPr b="0" lang="en-US" sz="1800" spc="-1" strike="noStrike">
               <a:solidFill>
                 <a:srgbClr val="000000"/>
               </a:solidFill>
@@ -2030,7 +3099,7 @@
       </p:grpSpPr>
       <p:sp>
         <p:nvSpPr>
-          <p:cNvPr id="16" name="PlaceHolder 1"/>
+          <p:cNvPr id="21" name="PlaceHolder 1"/>
           <p:cNvSpPr>
             <a:spLocks noGrp="1"/>
           </p:cNvSpPr>
@@ -2041,7 +3110,7 @@
         <p:spPr>
           <a:xfrm>
             <a:off x="504000" y="226080"/>
-            <a:ext cx="9071640" cy="946440"/>
+            <a:ext cx="9071280" cy="946080"/>
           </a:xfrm>
           <a:prstGeom prst="rect">
             <a:avLst/>
@@ -2057,7 +3126,13 @@
           </a:bodyPr>
           <a:p>
             <a:pPr indent="0" algn="ctr">
+              <a:lnSpc>
+                <a:spcPct val="100000"/>
+              </a:lnSpc>
               <a:buNone/>
+              <a:tabLst>
+                <a:tab algn="l" pos="0"/>
+              </a:tabLst>
             </a:pPr>
             <a:r>
               <a:rPr b="0" lang="en-US" sz="4400" spc="-1" strike="noStrike">
@@ -2079,7 +3154,7 @@
       </p:sp>
       <p:sp>
         <p:nvSpPr>
-          <p:cNvPr id="17" name="PlaceHolder 2"/>
+          <p:cNvPr id="22" name="PlaceHolder 2"/>
           <p:cNvSpPr>
             <a:spLocks noGrp="1"/>
           </p:cNvSpPr>
@@ -2090,7 +3165,7 @@
         <p:spPr>
           <a:xfrm>
             <a:off x="504000" y="1326600"/>
-            <a:ext cx="9071640" cy="3288240"/>
+            <a:ext cx="9071280" cy="3287880"/>
           </a:xfrm>
           <a:prstGeom prst="rect">
             <a:avLst/>
@@ -2106,6 +3181,9 @@
           </a:bodyPr>
           <a:p>
             <a:pPr marL="432000" indent="-324000">
+              <a:lnSpc>
+                <a:spcPct val="100000"/>
+              </a:lnSpc>
               <a:spcBef>
                 <a:spcPts val="1417"/>
               </a:spcBef>
@@ -2134,6 +3212,9 @@
           </a:p>
           <a:p>
             <a:pPr marL="432000" indent="-324000">
+              <a:lnSpc>
+                <a:spcPct val="100000"/>
+              </a:lnSpc>
               <a:spcBef>
                 <a:spcPts val="1417"/>
               </a:spcBef>
@@ -2194,7 +3275,7 @@
       </p:grpSpPr>
       <p:sp>
         <p:nvSpPr>
-          <p:cNvPr id="18" name="PlaceHolder 1"/>
+          <p:cNvPr id="23" name="PlaceHolder 1"/>
           <p:cNvSpPr>
             <a:spLocks noGrp="1"/>
           </p:cNvSpPr>
@@ -2205,7 +3286,7 @@
         <p:spPr>
           <a:xfrm>
             <a:off x="504000" y="226080"/>
-            <a:ext cx="9071640" cy="946440"/>
+            <a:ext cx="9071280" cy="946080"/>
           </a:xfrm>
           <a:prstGeom prst="rect">
             <a:avLst/>
@@ -2221,7 +3302,13 @@
           </a:bodyPr>
           <a:p>
             <a:pPr indent="0" algn="ctr">
+              <a:lnSpc>
+                <a:spcPct val="100000"/>
+              </a:lnSpc>
               <a:buNone/>
+              <a:tabLst>
+                <a:tab algn="l" pos="0"/>
+              </a:tabLst>
             </a:pPr>
             <a:r>
               <a:rPr b="0" lang="en-US" sz="4400" spc="-1" strike="noStrike">
@@ -2243,7 +3330,7 @@
       </p:sp>
       <p:sp>
         <p:nvSpPr>
-          <p:cNvPr id="19" name="PlaceHolder 2"/>
+          <p:cNvPr id="24" name="PlaceHolder 2"/>
           <p:cNvSpPr>
             <a:spLocks noGrp="1"/>
           </p:cNvSpPr>
@@ -2254,7 +3341,7 @@
         <p:spPr>
           <a:xfrm>
             <a:off x="504000" y="1326600"/>
-            <a:ext cx="9071640" cy="3288240"/>
+            <a:ext cx="9071280" cy="3287880"/>
           </a:xfrm>
           <a:prstGeom prst="rect">
             <a:avLst/>
@@ -2266,10 +3353,13 @@
         </p:spPr>
         <p:txBody>
           <a:bodyPr lIns="0" rIns="0" tIns="0" bIns="0" anchor="t">
-            <a:normAutofit fontScale="87491"/>
+            <a:normAutofit fontScale="80000"/>
           </a:bodyPr>
           <a:p>
             <a:pPr marL="432000" indent="-324000">
+              <a:lnSpc>
+                <a:spcPct val="100000"/>
+              </a:lnSpc>
               <a:spcBef>
                 <a:spcPts val="1417"/>
               </a:spcBef>
@@ -2287,7 +3377,16 @@
                 </a:solidFill>
                 <a:latin typeface="Arial"/>
               </a:rPr>
-              <a:t>Objects that simulate human tissues and organs to test and calibrate imaging devices</a:t>
+              <a:t>Objects that simulate human tissues and </a:t>
+            </a:r>
+            <a:r>
+              <a:rPr b="0" lang="en-US" sz="3200" spc="-1" strike="noStrike">
+                <a:solidFill>
+                  <a:srgbClr val="000000"/>
+                </a:solidFill>
+                <a:latin typeface="Arial"/>
+              </a:rPr>
+              <a:t>organs to test and calibrate imaging devices</a:t>
             </a:r>
             <a:endParaRPr b="0" lang="en-US" sz="3200" spc="-1" strike="noStrike">
               <a:solidFill>
@@ -2298,6 +3397,9 @@
           </a:p>
           <a:p>
             <a:pPr marL="432000" indent="-324000">
+              <a:lnSpc>
+                <a:spcPct val="100000"/>
+              </a:lnSpc>
               <a:spcBef>
                 <a:spcPts val="1417"/>
               </a:spcBef>
@@ -2326,6 +3428,9 @@
           </a:p>
           <a:p>
             <a:pPr lvl="1" marL="864000" indent="-324000">
+              <a:lnSpc>
+                <a:spcPct val="100000"/>
+              </a:lnSpc>
               <a:spcBef>
                 <a:spcPts val="1134"/>
               </a:spcBef>
@@ -2354,6 +3459,9 @@
           </a:p>
           <a:p>
             <a:pPr lvl="1" marL="864000" indent="-324000">
+              <a:lnSpc>
+                <a:spcPct val="100000"/>
+              </a:lnSpc>
               <a:spcBef>
                 <a:spcPts val="1134"/>
               </a:spcBef>
@@ -2382,6 +3490,9 @@
           </a:p>
           <a:p>
             <a:pPr lvl="1" marL="864000" indent="-324000">
+              <a:lnSpc>
+                <a:spcPct val="100000"/>
+              </a:lnSpc>
               <a:spcBef>
                 <a:spcPts val="1134"/>
               </a:spcBef>
@@ -2410,6 +3521,9 @@
           </a:p>
           <a:p>
             <a:pPr lvl="1" marL="864000" indent="-324000">
+              <a:lnSpc>
+                <a:spcPct val="100000"/>
+              </a:lnSpc>
               <a:spcBef>
                 <a:spcPts val="1134"/>
               </a:spcBef>
@@ -2438,10 +3552,16 @@
           </a:p>
           <a:p>
             <a:pPr marL="432000" indent="0">
+              <a:lnSpc>
+                <a:spcPct val="100000"/>
+              </a:lnSpc>
               <a:spcBef>
                 <a:spcPts val="1417"/>
               </a:spcBef>
               <a:buNone/>
+              <a:tabLst>
+                <a:tab algn="l" pos="0"/>
+              </a:tabLst>
             </a:pPr>
             <a:endParaRPr b="0" lang="en-US" sz="3200" spc="-1" strike="noStrike">
               <a:solidFill>
@@ -2484,7 +3604,7 @@
       </p:grpSpPr>
       <p:sp>
         <p:nvSpPr>
-          <p:cNvPr id="20" name="PlaceHolder 1"/>
+          <p:cNvPr id="25" name="PlaceHolder 1"/>
           <p:cNvSpPr>
             <a:spLocks noGrp="1"/>
           </p:cNvSpPr>
@@ -2495,7 +3615,7 @@
         <p:spPr>
           <a:xfrm>
             <a:off x="504000" y="226080"/>
-            <a:ext cx="9071640" cy="946440"/>
+            <a:ext cx="9071280" cy="946080"/>
           </a:xfrm>
           <a:prstGeom prst="rect">
             <a:avLst/>
@@ -2511,7 +3631,13 @@
           </a:bodyPr>
           <a:p>
             <a:pPr indent="0" algn="ctr">
+              <a:lnSpc>
+                <a:spcPct val="100000"/>
+              </a:lnSpc>
               <a:buNone/>
+              <a:tabLst>
+                <a:tab algn="l" pos="0"/>
+              </a:tabLst>
             </a:pPr>
             <a:r>
               <a:rPr b="0" lang="en-US" sz="4400" spc="-1" strike="noStrike">
@@ -2533,7 +3659,7 @@
       </p:sp>
       <p:sp>
         <p:nvSpPr>
-          <p:cNvPr id="21" name="PlaceHolder 2"/>
+          <p:cNvPr id="26" name="PlaceHolder 2"/>
           <p:cNvSpPr>
             <a:spLocks noGrp="1"/>
           </p:cNvSpPr>
@@ -2543,8 +3669,8 @@
         </p:nvSpPr>
         <p:spPr>
           <a:xfrm>
-            <a:off x="504000" y="1326600"/>
-            <a:ext cx="9071640" cy="3288240"/>
+            <a:off x="228600" y="1326600"/>
+            <a:ext cx="5439600" cy="3931200"/>
           </a:xfrm>
           <a:prstGeom prst="rect">
             <a:avLst/>
@@ -2556,10 +3682,13 @@
         </p:spPr>
         <p:txBody>
           <a:bodyPr lIns="0" rIns="0" tIns="0" bIns="0" anchor="t">
-            <a:normAutofit fontScale="77804" lnSpcReduction="10000"/>
+            <a:normAutofit fontScale="75000" lnSpcReduction="10000"/>
           </a:bodyPr>
           <a:p>
             <a:pPr marL="432000" indent="-324000">
+              <a:lnSpc>
+                <a:spcPct val="100000"/>
+              </a:lnSpc>
               <a:spcBef>
                 <a:spcPts val="1417"/>
               </a:spcBef>
@@ -2588,6 +3717,9 @@
           </a:p>
           <a:p>
             <a:pPr lvl="1" marL="864000" indent="-324000">
+              <a:lnSpc>
+                <a:spcPct val="100000"/>
+              </a:lnSpc>
               <a:spcBef>
                 <a:spcPts val="1134"/>
               </a:spcBef>
@@ -2616,6 +3748,9 @@
           </a:p>
           <a:p>
             <a:pPr lvl="2" marL="1296000" indent="-288000">
+              <a:lnSpc>
+                <a:spcPct val="100000"/>
+              </a:lnSpc>
               <a:spcBef>
                 <a:spcPts val="850"/>
               </a:spcBef>
@@ -2644,6 +3779,9 @@
           </a:p>
           <a:p>
             <a:pPr lvl="1" marL="864000" indent="-324000">
+              <a:lnSpc>
+                <a:spcPct val="100000"/>
+              </a:lnSpc>
               <a:spcBef>
                 <a:spcPts val="1134"/>
               </a:spcBef>
@@ -2672,6 +3810,9 @@
           </a:p>
           <a:p>
             <a:pPr lvl="2" marL="1296000" indent="-288000">
+              <a:lnSpc>
+                <a:spcPct val="100000"/>
+              </a:lnSpc>
               <a:spcBef>
                 <a:spcPts val="850"/>
               </a:spcBef>
@@ -2700,6 +3841,9 @@
           </a:p>
           <a:p>
             <a:pPr marL="432000" indent="-324000">
+              <a:lnSpc>
+                <a:spcPct val="100000"/>
+              </a:lnSpc>
               <a:spcBef>
                 <a:spcPts val="1417"/>
               </a:spcBef>
@@ -2728,6 +3872,9 @@
           </a:p>
           <a:p>
             <a:pPr lvl="1" marL="864000" indent="-324000">
+              <a:lnSpc>
+                <a:spcPct val="100000"/>
+              </a:lnSpc>
               <a:spcBef>
                 <a:spcPts val="1134"/>
               </a:spcBef>
@@ -2756,6 +3903,53 @@
           </a:p>
         </p:txBody>
       </p:sp>
+      <p:pic>
+        <p:nvPicPr>
+          <p:cNvPr id="27" name="" descr=""/>
+          <p:cNvPicPr/>
+          <p:nvPr/>
+        </p:nvPicPr>
+        <p:blipFill>
+          <a:blip r:embed="rId1"/>
+          <a:srcRect l="0" t="0" r="50000" b="5477"/>
+          <a:stretch/>
+        </p:blipFill>
+        <p:spPr>
+          <a:xfrm>
+            <a:off x="6658920" y="3369600"/>
+            <a:ext cx="1799280" cy="2301120"/>
+          </a:xfrm>
+          <a:prstGeom prst="rect">
+            <a:avLst/>
+          </a:prstGeom>
+          <a:ln w="0">
+            <a:noFill/>
+          </a:ln>
+        </p:spPr>
+      </p:pic>
+      <p:pic>
+        <p:nvPicPr>
+          <p:cNvPr id="28" name="" descr=""/>
+          <p:cNvPicPr/>
+          <p:nvPr/>
+        </p:nvPicPr>
+        <p:blipFill>
+          <a:blip r:embed="rId2"/>
+          <a:stretch/>
+        </p:blipFill>
+        <p:spPr>
+          <a:xfrm>
+            <a:off x="6172200" y="1050840"/>
+            <a:ext cx="3200400" cy="2149560"/>
+          </a:xfrm>
+          <a:prstGeom prst="rect">
+            <a:avLst/>
+          </a:prstGeom>
+          <a:ln w="0">
+            <a:noFill/>
+          </a:ln>
+        </p:spPr>
+      </p:pic>
     </p:spTree>
   </p:cSld>
   <mc:AlternateContent>
@@ -2788,7 +3982,7 @@
       </p:grpSpPr>
       <p:sp>
         <p:nvSpPr>
-          <p:cNvPr id="22" name="PlaceHolder 1"/>
+          <p:cNvPr id="29" name="PlaceHolder 1"/>
           <p:cNvSpPr>
             <a:spLocks noGrp="1"/>
           </p:cNvSpPr>
@@ -2799,7 +3993,7 @@
         <p:spPr>
           <a:xfrm>
             <a:off x="504000" y="226080"/>
-            <a:ext cx="9071640" cy="946440"/>
+            <a:ext cx="9071280" cy="946080"/>
           </a:xfrm>
           <a:prstGeom prst="rect">
             <a:avLst/>
@@ -2815,7 +4009,13 @@
           </a:bodyPr>
           <a:p>
             <a:pPr indent="0" algn="ctr">
+              <a:lnSpc>
+                <a:spcPct val="100000"/>
+              </a:lnSpc>
               <a:buNone/>
+              <a:tabLst>
+                <a:tab algn="l" pos="0"/>
+              </a:tabLst>
             </a:pPr>
             <a:r>
               <a:rPr b="0" lang="en-US" sz="4400" spc="-1" strike="noStrike">
@@ -2824,7 +4024,7 @@
                 </a:solidFill>
                 <a:latin typeface="Arial"/>
               </a:rPr>
-              <a:t>Quantitative Measurments</a:t>
+              <a:t>Quantitative Measurements</a:t>
             </a:r>
             <a:endParaRPr b="0" lang="en-US" sz="4400" spc="-1" strike="noStrike">
               <a:solidFill>
@@ -2837,7 +4037,7 @@
       </p:sp>
       <p:sp>
         <p:nvSpPr>
-          <p:cNvPr id="23" name="PlaceHolder 2"/>
+          <p:cNvPr id="30" name="PlaceHolder 2"/>
           <p:cNvSpPr>
             <a:spLocks noGrp="1"/>
           </p:cNvSpPr>
@@ -2848,7 +4048,7 @@
         <p:spPr>
           <a:xfrm>
             <a:off x="504000" y="1326600"/>
-            <a:ext cx="9071640" cy="3288240"/>
+            <a:ext cx="9071280" cy="3287880"/>
           </a:xfrm>
           <a:prstGeom prst="rect">
             <a:avLst/>
@@ -2860,10 +4060,13 @@
         </p:spPr>
         <p:txBody>
           <a:bodyPr lIns="0" rIns="0" tIns="0" bIns="0" anchor="t">
-            <a:normAutofit fontScale="43745"/>
+            <a:normAutofit fontScale="40000"/>
           </a:bodyPr>
           <a:p>
             <a:pPr marL="432000" indent="-324000">
+              <a:lnSpc>
+                <a:spcPct val="100000"/>
+              </a:lnSpc>
               <a:spcBef>
                 <a:spcPts val="1417"/>
               </a:spcBef>
@@ -2892,6 +4095,9 @@
           </a:p>
           <a:p>
             <a:pPr lvl="1" marL="864000" indent="-324000">
+              <a:lnSpc>
+                <a:spcPct val="100000"/>
+              </a:lnSpc>
               <a:spcBef>
                 <a:spcPts val="1134"/>
               </a:spcBef>
@@ -2909,16 +4115,7 @@
                 </a:solidFill>
                 <a:latin typeface="Arial"/>
               </a:rPr>
-              <a:t>Volume of blood in the left ventricle at the end of </a:t>
-            </a:r>
-            <a:r>
-              <a:rPr b="0" lang="en-US" sz="2800" spc="-1" strike="noStrike">
-                <a:solidFill>
-                  <a:srgbClr val="000000"/>
-                </a:solidFill>
-                <a:latin typeface="Arial"/>
-              </a:rPr>
-              <a:t>filling</a:t>
+              <a:t>Volume of blood in the left ventricle at the end of filling</a:t>
             </a:r>
             <a:endParaRPr b="0" lang="en-US" sz="2800" spc="-1" strike="noStrike">
               <a:solidFill>
@@ -2929,6 +4126,9 @@
           </a:p>
           <a:p>
             <a:pPr marL="432000" indent="-324000">
+              <a:lnSpc>
+                <a:spcPct val="100000"/>
+              </a:lnSpc>
               <a:spcBef>
                 <a:spcPts val="1417"/>
               </a:spcBef>
@@ -2957,6 +4157,9 @@
           </a:p>
           <a:p>
             <a:pPr lvl="1" marL="864000" indent="-324000">
+              <a:lnSpc>
+                <a:spcPct val="100000"/>
+              </a:lnSpc>
               <a:spcBef>
                 <a:spcPts val="1134"/>
               </a:spcBef>
@@ -2974,16 +4177,7 @@
                 </a:solidFill>
                 <a:latin typeface="Arial"/>
               </a:rPr>
-              <a:t>Volume of blood in the left ventricle after </a:t>
-            </a:r>
-            <a:r>
-              <a:rPr b="0" lang="en-US" sz="2800" spc="-1" strike="noStrike">
-                <a:solidFill>
-                  <a:srgbClr val="000000"/>
-                </a:solidFill>
-                <a:latin typeface="Arial"/>
-              </a:rPr>
-              <a:t>contraction</a:t>
+              <a:t>Volume of blood in the left ventricle after contraction</a:t>
             </a:r>
             <a:endParaRPr b="0" lang="en-US" sz="2800" spc="-1" strike="noStrike">
               <a:solidFill>
@@ -2994,6 +4188,9 @@
           </a:p>
           <a:p>
             <a:pPr marL="432000" indent="-324000">
+              <a:lnSpc>
+                <a:spcPct val="100000"/>
+              </a:lnSpc>
               <a:spcBef>
                 <a:spcPts val="1417"/>
               </a:spcBef>
@@ -3022,6 +4219,9 @@
           </a:p>
           <a:p>
             <a:pPr lvl="1" marL="864000" indent="-324000">
+              <a:lnSpc>
+                <a:spcPct val="100000"/>
+              </a:lnSpc>
               <a:spcBef>
                 <a:spcPts val="1134"/>
               </a:spcBef>
@@ -3039,16 +4239,7 @@
                 </a:solidFill>
                 <a:latin typeface="Arial"/>
               </a:rPr>
-              <a:t>Percentage of blood pumped out of the left </a:t>
-            </a:r>
-            <a:r>
-              <a:rPr b="0" lang="en-US" sz="2800" spc="-1" strike="noStrike">
-                <a:solidFill>
-                  <a:srgbClr val="000000"/>
-                </a:solidFill>
-                <a:latin typeface="Arial"/>
-              </a:rPr>
-              <a:t>ventricle during each heartbeat</a:t>
+              <a:t>Percentage of blood pumped out of the left ventricle during each heartbeat</a:t>
             </a:r>
             <a:endParaRPr b="0" lang="en-US" sz="2800" spc="-1" strike="noStrike">
               <a:solidFill>
@@ -3059,6 +4250,9 @@
           </a:p>
           <a:p>
             <a:pPr marL="432000" indent="-324000">
+              <a:lnSpc>
+                <a:spcPct val="100000"/>
+              </a:lnSpc>
               <a:spcBef>
                 <a:spcPts val="1417"/>
               </a:spcBef>
@@ -3076,16 +4270,7 @@
                 </a:solidFill>
                 <a:latin typeface="Arial"/>
               </a:rPr>
-              <a:t>Phase Analysis, Wall Thickening Motion, </a:t>
-            </a:r>
-            <a:r>
-              <a:rPr b="0" lang="en-US" sz="3200" spc="-1" strike="noStrike">
-                <a:solidFill>
-                  <a:srgbClr val="000000"/>
-                </a:solidFill>
-                <a:latin typeface="Arial"/>
-              </a:rPr>
-              <a:t>Perfusion Parameters</a:t>
+              <a:t>Phase Analysis, Wall Thickening Motion, Perfusion Parameters</a:t>
             </a:r>
             <a:endParaRPr b="0" lang="en-US" sz="3200" spc="-1" strike="noStrike">
               <a:solidFill>
@@ -3096,6 +4281,9 @@
           </a:p>
           <a:p>
             <a:pPr lvl="1" marL="864000" indent="-324000">
+              <a:lnSpc>
+                <a:spcPct val="100000"/>
+              </a:lnSpc>
               <a:spcBef>
                 <a:spcPts val="1134"/>
               </a:spcBef>
@@ -3124,6 +4312,9 @@
           </a:p>
           <a:p>
             <a:pPr marL="432000" indent="-324000">
+              <a:lnSpc>
+                <a:spcPct val="100000"/>
+              </a:lnSpc>
               <a:spcBef>
                 <a:spcPts val="1417"/>
               </a:spcBef>
@@ -3141,16 +4332,7 @@
                 </a:solidFill>
                 <a:latin typeface="Arial"/>
               </a:rPr>
-              <a:t>Defect Extent and Severity, Stress and Rest </a:t>
-            </a:r>
-            <a:r>
-              <a:rPr b="0" lang="en-US" sz="3200" spc="-1" strike="noStrike">
-                <a:solidFill>
-                  <a:srgbClr val="000000"/>
-                </a:solidFill>
-                <a:latin typeface="Arial"/>
-              </a:rPr>
-              <a:t>Scores, Total Perfusion Deficit(TPD)</a:t>
+              <a:t>Defect Extent and Severity, Stress and Rest Scores, Total Perfusion Deficit(TPD)</a:t>
             </a:r>
             <a:endParaRPr b="0" lang="en-US" sz="3200" spc="-1" strike="noStrike">
               <a:solidFill>
@@ -3161,6 +4343,9 @@
           </a:p>
           <a:p>
             <a:pPr lvl="1" marL="864000" indent="-324000">
+              <a:lnSpc>
+                <a:spcPct val="100000"/>
+              </a:lnSpc>
               <a:spcBef>
                 <a:spcPts val="1134"/>
               </a:spcBef>
@@ -3178,16 +4363,7 @@
                 </a:solidFill>
                 <a:latin typeface="Arial"/>
               </a:rPr>
-              <a:t>Assessment of areas with poor blood flow and </a:t>
-            </a:r>
-            <a:r>
-              <a:rPr b="0" lang="en-US" sz="2800" spc="-1" strike="noStrike">
-                <a:solidFill>
-                  <a:srgbClr val="000000"/>
-                </a:solidFill>
-                <a:latin typeface="Arial"/>
-              </a:rPr>
-              <a:t>overall heart health</a:t>
+              <a:t>Assessment of areas with poor blood flow and overall heart health</a:t>
             </a:r>
             <a:endParaRPr b="0" lang="en-US" sz="2800" spc="-1" strike="noStrike">
               <a:solidFill>
@@ -3230,7 +4406,7 @@
       </p:grpSpPr>
       <p:sp>
         <p:nvSpPr>
-          <p:cNvPr id="24" name="PlaceHolder 1"/>
+          <p:cNvPr id="31" name="PlaceHolder 1"/>
           <p:cNvSpPr>
             <a:spLocks noGrp="1"/>
           </p:cNvSpPr>
@@ -3241,7 +4417,7 @@
         <p:spPr>
           <a:xfrm>
             <a:off x="504000" y="226080"/>
-            <a:ext cx="9071640" cy="946440"/>
+            <a:ext cx="9071280" cy="946080"/>
           </a:xfrm>
           <a:prstGeom prst="rect">
             <a:avLst/>
@@ -3257,7 +4433,13 @@
           </a:bodyPr>
           <a:p>
             <a:pPr indent="0" algn="ctr">
+              <a:lnSpc>
+                <a:spcPct val="100000"/>
+              </a:lnSpc>
               <a:buNone/>
+              <a:tabLst>
+                <a:tab algn="l" pos="0"/>
+              </a:tabLst>
             </a:pPr>
             <a:r>
               <a:rPr b="0" lang="en-US" sz="4400" spc="-1" strike="noStrike">
@@ -3279,7 +4461,7 @@
       </p:sp>
       <p:sp>
         <p:nvSpPr>
-          <p:cNvPr id="25" name="PlaceHolder 2"/>
+          <p:cNvPr id="32" name="PlaceHolder 2"/>
           <p:cNvSpPr>
             <a:spLocks noGrp="1"/>
           </p:cNvSpPr>
@@ -3290,7 +4472,7 @@
         <p:spPr>
           <a:xfrm>
             <a:off x="504000" y="1326600"/>
-            <a:ext cx="9071640" cy="3288240"/>
+            <a:ext cx="9071280" cy="3287880"/>
           </a:xfrm>
           <a:prstGeom prst="rect">
             <a:avLst/>
@@ -3306,6 +4488,9 @@
           </a:bodyPr>
           <a:p>
             <a:pPr marL="432000" indent="-324000">
+              <a:lnSpc>
+                <a:spcPct val="100000"/>
+              </a:lnSpc>
               <a:spcBef>
                 <a:spcPts val="1417"/>
               </a:spcBef>
@@ -3334,6 +4519,9 @@
           </a:p>
           <a:p>
             <a:pPr marL="432000" indent="-324000">
+              <a:lnSpc>
+                <a:spcPct val="100000"/>
+              </a:lnSpc>
               <a:spcBef>
                 <a:spcPts val="1417"/>
               </a:spcBef>
@@ -3362,6 +4550,9 @@
           </a:p>
           <a:p>
             <a:pPr marL="432000" indent="-324000">
+              <a:lnSpc>
+                <a:spcPct val="100000"/>
+              </a:lnSpc>
               <a:spcBef>
                 <a:spcPts val="1417"/>
               </a:spcBef>
@@ -3422,7 +4613,7 @@
       </p:grpSpPr>
       <p:sp>
         <p:nvSpPr>
-          <p:cNvPr id="26" name="PlaceHolder 1"/>
+          <p:cNvPr id="33" name="PlaceHolder 1"/>
           <p:cNvSpPr>
             <a:spLocks noGrp="1"/>
           </p:cNvSpPr>
@@ -3433,7 +4624,7 @@
         <p:spPr>
           <a:xfrm>
             <a:off x="504000" y="226080"/>
-            <a:ext cx="9071640" cy="946440"/>
+            <a:ext cx="9071280" cy="946080"/>
           </a:xfrm>
           <a:prstGeom prst="rect">
             <a:avLst/>
@@ -3449,7 +4640,13 @@
           </a:bodyPr>
           <a:p>
             <a:pPr indent="0" algn="ctr">
+              <a:lnSpc>
+                <a:spcPct val="100000"/>
+              </a:lnSpc>
               <a:buNone/>
+              <a:tabLst>
+                <a:tab algn="l" pos="0"/>
+              </a:tabLst>
             </a:pPr>
             <a:r>
               <a:rPr b="0" lang="en-US" sz="4400" spc="-1" strike="noStrike">
@@ -3471,7 +4668,7 @@
       </p:sp>
       <p:sp>
         <p:nvSpPr>
-          <p:cNvPr id="27" name="PlaceHolder 2"/>
+          <p:cNvPr id="34" name="PlaceHolder 2"/>
           <p:cNvSpPr>
             <a:spLocks noGrp="1"/>
           </p:cNvSpPr>
@@ -3482,7 +4679,7 @@
         <p:spPr>
           <a:xfrm>
             <a:off x="504000" y="1326600"/>
-            <a:ext cx="9071640" cy="3288240"/>
+            <a:ext cx="9071280" cy="3287880"/>
           </a:xfrm>
           <a:prstGeom prst="rect">
             <a:avLst/>
@@ -3494,10 +4691,13 @@
         </p:spPr>
         <p:txBody>
           <a:bodyPr lIns="0" rIns="0" tIns="0" bIns="0" anchor="t">
-            <a:normAutofit fontScale="87491"/>
+            <a:normAutofit fontScale="81111"/>
           </a:bodyPr>
           <a:p>
             <a:pPr marL="432000" indent="-324000">
+              <a:lnSpc>
+                <a:spcPct val="100000"/>
+              </a:lnSpc>
               <a:spcBef>
                 <a:spcPts val="1417"/>
               </a:spcBef>
@@ -3526,6 +4726,9 @@
           </a:p>
           <a:p>
             <a:pPr lvl="1" marL="864000" indent="-324000">
+              <a:lnSpc>
+                <a:spcPct val="100000"/>
+              </a:lnSpc>
               <a:spcBef>
                 <a:spcPts val="1134"/>
               </a:spcBef>
@@ -3554,6 +4757,9 @@
           </a:p>
           <a:p>
             <a:pPr lvl="1" marL="864000" indent="-324000">
+              <a:lnSpc>
+                <a:spcPct val="100000"/>
+              </a:lnSpc>
               <a:spcBef>
                 <a:spcPts val="1134"/>
               </a:spcBef>
@@ -3582,6 +4788,9 @@
           </a:p>
           <a:p>
             <a:pPr marL="432000" indent="-324000">
+              <a:lnSpc>
+                <a:spcPct val="100000"/>
+              </a:lnSpc>
               <a:spcBef>
                 <a:spcPts val="1417"/>
               </a:spcBef>
@@ -3610,6 +4819,9 @@
           </a:p>
           <a:p>
             <a:pPr lvl="1" marL="864000" indent="-324000">
+              <a:lnSpc>
+                <a:spcPct val="100000"/>
+              </a:lnSpc>
               <a:spcBef>
                 <a:spcPts val="1134"/>
               </a:spcBef>
@@ -3638,6 +4850,9 @@
           </a:p>
           <a:p>
             <a:pPr lvl="1" marL="864000" indent="-324000">
+              <a:lnSpc>
+                <a:spcPct val="100000"/>
+              </a:lnSpc>
               <a:spcBef>
                 <a:spcPts val="1134"/>
               </a:spcBef>
@@ -3698,7 +4913,7 @@
       </p:grpSpPr>
       <p:sp>
         <p:nvSpPr>
-          <p:cNvPr id="28" name="PlaceHolder 1"/>
+          <p:cNvPr id="35" name="PlaceHolder 1"/>
           <p:cNvSpPr>
             <a:spLocks noGrp="1"/>
           </p:cNvSpPr>
@@ -3709,7 +4924,7 @@
         <p:spPr>
           <a:xfrm>
             <a:off x="504000" y="226080"/>
-            <a:ext cx="9071640" cy="946440"/>
+            <a:ext cx="9071280" cy="946080"/>
           </a:xfrm>
           <a:prstGeom prst="rect">
             <a:avLst/>
@@ -3725,7 +4940,13 @@
           </a:bodyPr>
           <a:p>
             <a:pPr indent="0" algn="ctr">
+              <a:lnSpc>
+                <a:spcPct val="100000"/>
+              </a:lnSpc>
               <a:buNone/>
+              <a:tabLst>
+                <a:tab algn="l" pos="0"/>
+              </a:tabLst>
             </a:pPr>
             <a:r>
               <a:rPr b="0" lang="en-US" sz="4400" spc="-1" strike="noStrike">
@@ -3747,7 +4968,7 @@
       </p:sp>
       <p:sp>
         <p:nvSpPr>
-          <p:cNvPr id="29" name="PlaceHolder 2"/>
+          <p:cNvPr id="36" name="PlaceHolder 2"/>
           <p:cNvSpPr>
             <a:spLocks noGrp="1"/>
           </p:cNvSpPr>
@@ -3758,7 +4979,7 @@
         <p:spPr>
           <a:xfrm>
             <a:off x="504000" y="1326600"/>
-            <a:ext cx="9071640" cy="3288240"/>
+            <a:ext cx="9071280" cy="3287880"/>
           </a:xfrm>
           <a:prstGeom prst="rect">
             <a:avLst/>
@@ -3774,6 +4995,9 @@
           </a:bodyPr>
           <a:p>
             <a:pPr marL="432000" indent="-324000">
+              <a:lnSpc>
+                <a:spcPct val="100000"/>
+              </a:lnSpc>
               <a:spcBef>
                 <a:spcPts val="1417"/>
               </a:spcBef>
@@ -3802,6 +5026,9 @@
           </a:p>
           <a:p>
             <a:pPr marL="432000" indent="-324000">
+              <a:lnSpc>
+                <a:spcPct val="100000"/>
+              </a:lnSpc>
               <a:spcBef>
                 <a:spcPts val="1417"/>
               </a:spcBef>
@@ -3830,6 +5057,9 @@
           </a:p>
           <a:p>
             <a:pPr marL="432000" indent="-324000">
+              <a:lnSpc>
+                <a:spcPct val="100000"/>
+              </a:lnSpc>
               <a:spcBef>
                 <a:spcPts val="1417"/>
               </a:spcBef>
@@ -3858,6 +5088,9 @@
           </a:p>
           <a:p>
             <a:pPr marL="432000" indent="-324000">
+              <a:lnSpc>
+                <a:spcPct val="100000"/>
+              </a:lnSpc>
               <a:spcBef>
                 <a:spcPts val="1417"/>
               </a:spcBef>
@@ -3886,6 +5119,29 @@
           </a:p>
         </p:txBody>
       </p:sp>
+      <p:pic>
+        <p:nvPicPr>
+          <p:cNvPr id="37" name="" descr=""/>
+          <p:cNvPicPr/>
+          <p:nvPr/>
+        </p:nvPicPr>
+        <p:blipFill>
+          <a:blip r:embed="rId1"/>
+          <a:stretch/>
+        </p:blipFill>
+        <p:spPr>
+          <a:xfrm>
+            <a:off x="8195760" y="228600"/>
+            <a:ext cx="1319040" cy="1599120"/>
+          </a:xfrm>
+          <a:prstGeom prst="rect">
+            <a:avLst/>
+          </a:prstGeom>
+          <a:ln w="0">
+            <a:noFill/>
+          </a:ln>
+        </p:spPr>
+      </p:pic>
     </p:spTree>
   </p:cSld>
   <mc:AlternateContent>
@@ -3918,7 +5174,7 @@
       </p:grpSpPr>
       <p:sp>
         <p:nvSpPr>
-          <p:cNvPr id="30" name="PlaceHolder 1"/>
+          <p:cNvPr id="38" name="PlaceHolder 1"/>
           <p:cNvSpPr>
             <a:spLocks noGrp="1"/>
           </p:cNvSpPr>
@@ -3929,7 +5185,7 @@
         <p:spPr>
           <a:xfrm>
             <a:off x="504000" y="226080"/>
-            <a:ext cx="9071640" cy="946440"/>
+            <a:ext cx="9071280" cy="946080"/>
           </a:xfrm>
           <a:prstGeom prst="rect">
             <a:avLst/>
@@ -3945,7 +5201,13 @@
           </a:bodyPr>
           <a:p>
             <a:pPr indent="0" algn="ctr">
+              <a:lnSpc>
+                <a:spcPct val="100000"/>
+              </a:lnSpc>
               <a:buNone/>
+              <a:tabLst>
+                <a:tab algn="l" pos="0"/>
+              </a:tabLst>
             </a:pPr>
             <a:r>
               <a:rPr b="0" lang="en-US" sz="4400" spc="-1" strike="noStrike">
@@ -3967,7 +5229,7 @@
       </p:sp>
       <p:sp>
         <p:nvSpPr>
-          <p:cNvPr id="31" name="PlaceHolder 2"/>
+          <p:cNvPr id="39" name="PlaceHolder 2"/>
           <p:cNvSpPr>
             <a:spLocks noGrp="1"/>
           </p:cNvSpPr>
@@ -3978,7 +5240,7 @@
         <p:spPr>
           <a:xfrm>
             <a:off x="504000" y="1326600"/>
-            <a:ext cx="9071640" cy="3288240"/>
+            <a:ext cx="9071280" cy="3287880"/>
           </a:xfrm>
           <a:prstGeom prst="rect">
             <a:avLst/>
@@ -3994,6 +5256,9 @@
           </a:bodyPr>
           <a:p>
             <a:pPr marL="432000" indent="-324000">
+              <a:lnSpc>
+                <a:spcPct val="100000"/>
+              </a:lnSpc>
               <a:spcBef>
                 <a:spcPts val="1417"/>
               </a:spcBef>
@@ -4005,13 +5270,34 @@
               <a:buChar char=""/>
             </a:pPr>
             <a:r>
+              <a:rPr b="1" lang="en-US" sz="3200" spc="-1" strike="noStrike">
+                <a:solidFill>
+                  <a:srgbClr val="000000"/>
+                </a:solidFill>
+                <a:latin typeface="Arial"/>
+                <a:ea typeface="PingFang SC"/>
+              </a:rPr>
+              <a:t>NumPy</a:t>
+            </a:r>
+            <a:r>
               <a:rPr b="0" lang="en-US" sz="3200" spc="-1" strike="noStrike">
                 <a:solidFill>
                   <a:srgbClr val="000000"/>
                 </a:solidFill>
                 <a:latin typeface="Arial"/>
-              </a:rPr>
-              <a:t>NumPy</a:t>
+                <a:ea typeface="PingFang SC"/>
+              </a:rPr>
+              <a:t>: </a:t>
+            </a:r>
+            <a:r>
+              <a:rPr b="0" lang="en-US" sz="3200" spc="-1" strike="noStrike">
+                <a:solidFill>
+                  <a:srgbClr val="000000"/>
+                </a:solidFill>
+                <a:latin typeface="Arial"/>
+                <a:ea typeface="PingFang SC"/>
+              </a:rPr>
+              <a:t>handling large datasets</a:t>
             </a:r>
             <a:endParaRPr b="0" lang="en-US" sz="3200" spc="-1" strike="noStrike">
               <a:solidFill>
@@ -4022,6 +5308,9 @@
           </a:p>
           <a:p>
             <a:pPr marL="432000" indent="-324000">
+              <a:lnSpc>
+                <a:spcPct val="100000"/>
+              </a:lnSpc>
               <a:spcBef>
                 <a:spcPts val="1417"/>
               </a:spcBef>
@@ -4033,13 +5322,13 @@
               <a:buChar char=""/>
             </a:pPr>
             <a:r>
-              <a:rPr b="0" lang="en-US" sz="3200" spc="-1" strike="noStrike">
-                <a:solidFill>
-                  <a:srgbClr val="000000"/>
-                </a:solidFill>
-                <a:latin typeface="Arial"/>
-              </a:rPr>
-              <a:t>SciPy</a:t>
+              <a:rPr b="1" lang="en-US" sz="3200" spc="-1" strike="noStrike">
+                <a:solidFill>
+                  <a:srgbClr val="000000"/>
+                </a:solidFill>
+                <a:latin typeface="Arial"/>
+              </a:rPr>
+              <a:t>SciPy:</a:t>
             </a:r>
             <a:endParaRPr b="0" lang="en-US" sz="3200" spc="-1" strike="noStrike">
               <a:solidFill>
@@ -4050,6 +5339,58 @@
           </a:p>
         </p:txBody>
       </p:sp>
+      <p:pic>
+        <p:nvPicPr>
+          <p:cNvPr id="40" name="" descr=""/>
+          <p:cNvPicPr/>
+          <p:nvPr/>
+        </p:nvPicPr>
+        <p:blipFill>
+          <a:blip r:embed="rId1"/>
+          <a:stretch/>
+        </p:blipFill>
+        <p:spPr>
+          <a:xfrm>
+            <a:off x="7086600" y="1739160"/>
+            <a:ext cx="2742120" cy="1232640"/>
+          </a:xfrm>
+          <a:prstGeom prst="rect">
+            <a:avLst/>
+          </a:prstGeom>
+          <a:ln w="0">
+            <a:noFill/>
+          </a:ln>
+        </p:spPr>
+      </p:pic>
+      <p:pic>
+        <p:nvPicPr>
+          <p:cNvPr id="41" name="" descr=""/>
+          <p:cNvPicPr/>
+          <p:nvPr/>
+        </p:nvPicPr>
+        <p:blipFill>
+          <a:blip r:embed="rId2">
+            <a:extLst>
+              <a:ext uri="{96DAC541-7B7A-43D3-8B79-37D633B846F1}">
+                <asvg:svgBlip xmlns:asvg="http://schemas.microsoft.com/office/drawing/2016/SVG/main" r:embed="rId3"/>
+              </a:ext>
+            </a:extLst>
+          </a:blip>
+          <a:stretch/>
+        </p:blipFill>
+        <p:spPr>
+          <a:xfrm>
+            <a:off x="6400800" y="3200400"/>
+            <a:ext cx="1828800" cy="1828800"/>
+          </a:xfrm>
+          <a:prstGeom prst="rect">
+            <a:avLst/>
+          </a:prstGeom>
+          <a:ln w="0">
+            <a:noFill/>
+          </a:ln>
+        </p:spPr>
+      </p:pic>
     </p:spTree>
   </p:cSld>
   <mc:AlternateContent>
@@ -4170,6 +5511,112 @@
 </file>
 
 <file path=ppt/theme/theme2.xml><?xml version="1.0" encoding="utf-8"?>
+<a:theme xmlns:a="http://schemas.openxmlformats.org/drawingml/2006/main" xmlns:r="http://schemas.openxmlformats.org/officeDocument/2006/relationships" name="Office">
+  <a:themeElements>
+    <a:clrScheme name="LibreOffice">
+      <a:dk1>
+        <a:srgbClr val="000000"/>
+      </a:dk1>
+      <a:lt1>
+        <a:srgbClr val="ffffff"/>
+      </a:lt1>
+      <a:dk2>
+        <a:srgbClr val="000000"/>
+      </a:dk2>
+      <a:lt2>
+        <a:srgbClr val="ffffff"/>
+      </a:lt2>
+      <a:accent1>
+        <a:srgbClr val="18a303"/>
+      </a:accent1>
+      <a:accent2>
+        <a:srgbClr val="0369a3"/>
+      </a:accent2>
+      <a:accent3>
+        <a:srgbClr val="a33e03"/>
+      </a:accent3>
+      <a:accent4>
+        <a:srgbClr val="8e03a3"/>
+      </a:accent4>
+      <a:accent5>
+        <a:srgbClr val="c99c00"/>
+      </a:accent5>
+      <a:accent6>
+        <a:srgbClr val="c9211e"/>
+      </a:accent6>
+      <a:hlink>
+        <a:srgbClr val="0000ee"/>
+      </a:hlink>
+      <a:folHlink>
+        <a:srgbClr val="551a8b"/>
+      </a:folHlink>
+    </a:clrScheme>
+    <a:fontScheme name="Office">
+      <a:majorFont>
+        <a:latin typeface="Arial" pitchFamily="0" charset="1"/>
+        <a:ea typeface="DejaVu Sans" pitchFamily="0" charset="1"/>
+        <a:cs typeface="DejaVu Sans" pitchFamily="0" charset="1"/>
+      </a:majorFont>
+      <a:minorFont>
+        <a:latin typeface="Arial" pitchFamily="0" charset="1"/>
+        <a:ea typeface="DejaVu Sans" pitchFamily="0" charset="1"/>
+        <a:cs typeface="DejaVu Sans" pitchFamily="0" charset="1"/>
+      </a:minorFont>
+    </a:fontScheme>
+    <a:fmtScheme>
+      <a:fillStyleLst>
+        <a:solidFill>
+          <a:schemeClr val="phClr"/>
+        </a:solidFill>
+        <a:solidFill>
+          <a:schemeClr val="phClr"/>
+        </a:solidFill>
+        <a:solidFill>
+          <a:schemeClr val="phClr"/>
+        </a:solidFill>
+      </a:fillStyleLst>
+      <a:lnStyleLst>
+        <a:ln w="6350" cap="flat" cmpd="sng" algn="ctr">
+          <a:prstDash val="solid"/>
+          <a:miter/>
+        </a:ln>
+        <a:ln w="6350" cap="flat" cmpd="sng" algn="ctr">
+          <a:prstDash val="solid"/>
+          <a:miter/>
+        </a:ln>
+        <a:ln w="6350" cap="flat" cmpd="sng" algn="ctr">
+          <a:prstDash val="solid"/>
+          <a:miter/>
+        </a:ln>
+      </a:lnStyleLst>
+      <a:effectStyleLst>
+        <a:effectStyle>
+          <a:effectLst/>
+        </a:effectStyle>
+        <a:effectStyle>
+          <a:effectLst/>
+        </a:effectStyle>
+        <a:effectStyle>
+          <a:effectLst/>
+        </a:effectStyle>
+      </a:effectStyleLst>
+      <a:bgFillStyleLst>
+        <a:solidFill>
+          <a:schemeClr val="phClr"/>
+        </a:solidFill>
+        <a:solidFill>
+          <a:schemeClr val="phClr"/>
+        </a:solidFill>
+        <a:solidFill>
+          <a:schemeClr val="phClr"/>
+        </a:solidFill>
+      </a:bgFillStyleLst>
+    </a:fmtScheme>
+  </a:themeElements>
+</a:theme>
+</file>
+
+<file path=ppt/theme/theme3.xml><?xml version="1.0" encoding="utf-8"?>
 <a:theme xmlns:a="http://schemas.openxmlformats.org/drawingml/2006/main" xmlns:r="http://schemas.openxmlformats.org/officeDocument/2006/relationships" name="Office Theme">
   <a:themeElements>
     <a:clrScheme name="LibreOffice">
